--- a/PPT/38_四元数2of2.pptx
+++ b/PPT/38_四元数2of2.pptx
@@ -336,7 +336,7 @@
               <a:pPr>
                 <a:defRPr/>
               </a:pPr>
-              <a:t>2017/8/28</a:t>
+              <a:t>2017/8/29</a:t>
             </a:fld>
             <a:endParaRPr lang="zh-CN" altLang="en-US" sz="1200"/>
           </a:p>
@@ -952,7 +952,7 @@
               <a:pPr>
                 <a:defRPr/>
               </a:pPr>
-              <a:t>2017/8/28</a:t>
+              <a:t>2017/8/29</a:t>
             </a:fld>
             <a:endParaRPr lang="zh-CN" altLang="en-US" sz="1200"/>
           </a:p>
@@ -4486,8 +4486,8 @@
           </a:p>
         </p:txBody>
       </p:sp>
-      <mc:AlternateContent xmlns:mc="http://schemas.openxmlformats.org/markup-compatibility/2006">
-        <mc:Choice xmlns:a14="http://schemas.microsoft.com/office/drawing/2010/main" Requires="a14">
+      <mc:AlternateContent xmlns:mc="http://schemas.openxmlformats.org/markup-compatibility/2006" xmlns:a14="http://schemas.microsoft.com/office/drawing/2010/main">
+        <mc:Choice Requires="a14">
           <p:sp>
             <p:nvSpPr>
               <p:cNvPr id="4" name="Content Placeholder 3">
@@ -5880,7 +5880,7 @@
             </p:txBody>
           </p:sp>
         </mc:Choice>
-        <mc:Fallback>
+        <mc:Fallback xmlns="">
           <p:sp>
             <p:nvSpPr>
               <p:cNvPr id="4" name="Content Placeholder 3">
@@ -6096,8 +6096,8 @@
           </a:p>
         </p:txBody>
       </p:sp>
-      <mc:AlternateContent xmlns:mc="http://schemas.openxmlformats.org/markup-compatibility/2006">
-        <mc:Choice xmlns:a14="http://schemas.microsoft.com/office/drawing/2010/main" Requires="a14">
+      <mc:AlternateContent xmlns:mc="http://schemas.openxmlformats.org/markup-compatibility/2006" xmlns:a14="http://schemas.microsoft.com/office/drawing/2010/main">
+        <mc:Choice Requires="a14">
           <p:sp>
             <p:nvSpPr>
               <p:cNvPr id="4" name="Content Placeholder 3">
@@ -7613,7 +7613,7 @@
             </p:txBody>
           </p:sp>
         </mc:Choice>
-        <mc:Fallback>
+        <mc:Fallback xmlns="">
           <p:sp>
             <p:nvSpPr>
               <p:cNvPr id="4" name="Content Placeholder 3">
@@ -7829,8 +7829,8 @@
           </a:p>
         </p:txBody>
       </p:sp>
-      <mc:AlternateContent xmlns:mc="http://schemas.openxmlformats.org/markup-compatibility/2006">
-        <mc:Choice xmlns:a14="http://schemas.microsoft.com/office/drawing/2010/main" Requires="a14">
+      <mc:AlternateContent xmlns:mc="http://schemas.openxmlformats.org/markup-compatibility/2006" xmlns:a14="http://schemas.microsoft.com/office/drawing/2010/main">
+        <mc:Choice Requires="a14">
           <p:sp>
             <p:nvSpPr>
               <p:cNvPr id="4" name="Content Placeholder 3">
@@ -9346,7 +9346,7 @@
             </p:txBody>
           </p:sp>
         </mc:Choice>
-        <mc:Fallback>
+        <mc:Fallback xmlns="">
           <p:sp>
             <p:nvSpPr>
               <p:cNvPr id="4" name="Content Placeholder 3">
@@ -9391,8 +9391,8 @@
           </p:sp>
         </mc:Fallback>
       </mc:AlternateContent>
-      <mc:AlternateContent xmlns:mc="http://schemas.openxmlformats.org/markup-compatibility/2006">
-        <mc:Choice xmlns:a14="http://schemas.microsoft.com/office/drawing/2010/main" Requires="a14">
+      <mc:AlternateContent xmlns:mc="http://schemas.openxmlformats.org/markup-compatibility/2006" xmlns:a14="http://schemas.microsoft.com/office/drawing/2010/main">
+        <mc:Choice Requires="a14">
           <p:sp>
             <p:nvSpPr>
               <p:cNvPr id="16" name="矩形 15">
@@ -9451,7 +9451,7 @@
             </p:txBody>
           </p:sp>
         </mc:Choice>
-        <mc:Fallback>
+        <mc:Fallback xmlns="">
           <p:sp>
             <p:nvSpPr>
               <p:cNvPr id="16" name="矩形 15">
@@ -9660,8 +9660,8 @@
             </a:extLst>
           </p:spPr>
         </p:cxnSp>
-        <mc:AlternateContent xmlns:mc="http://schemas.openxmlformats.org/markup-compatibility/2006">
-          <mc:Choice xmlns:a14="http://schemas.microsoft.com/office/drawing/2010/main" Requires="a14">
+        <mc:AlternateContent xmlns:mc="http://schemas.openxmlformats.org/markup-compatibility/2006" xmlns:a14="http://schemas.microsoft.com/office/drawing/2010/main">
+          <mc:Choice Requires="a14">
             <p:sp>
               <p:nvSpPr>
                 <p:cNvPr id="13" name="矩形 12">
@@ -9720,7 +9720,7 @@
               </p:txBody>
             </p:sp>
           </mc:Choice>
-          <mc:Fallback>
+          <mc:Fallback xmlns="">
             <p:sp>
               <p:nvSpPr>
                 <p:cNvPr id="13" name="矩形 12">
@@ -9765,8 +9765,8 @@
             </p:sp>
           </mc:Fallback>
         </mc:AlternateContent>
-        <mc:AlternateContent xmlns:mc="http://schemas.openxmlformats.org/markup-compatibility/2006">
-          <mc:Choice xmlns:a14="http://schemas.microsoft.com/office/drawing/2010/main" Requires="a14">
+        <mc:AlternateContent xmlns:mc="http://schemas.openxmlformats.org/markup-compatibility/2006" xmlns:a14="http://schemas.microsoft.com/office/drawing/2010/main">
+          <mc:Choice Requires="a14">
             <p:sp>
               <p:nvSpPr>
                 <p:cNvPr id="17" name="矩形 16">
@@ -9825,7 +9825,7 @@
               </p:txBody>
             </p:sp>
           </mc:Choice>
-          <mc:Fallback>
+          <mc:Fallback xmlns="">
             <p:sp>
               <p:nvSpPr>
                 <p:cNvPr id="17" name="矩形 16">
@@ -9870,8 +9870,8 @@
             </p:sp>
           </mc:Fallback>
         </mc:AlternateContent>
-        <mc:AlternateContent xmlns:mc="http://schemas.openxmlformats.org/markup-compatibility/2006">
-          <mc:Choice xmlns:a14="http://schemas.microsoft.com/office/drawing/2010/main" Requires="a14">
+        <mc:AlternateContent xmlns:mc="http://schemas.openxmlformats.org/markup-compatibility/2006" xmlns:a14="http://schemas.microsoft.com/office/drawing/2010/main">
+          <mc:Choice Requires="a14">
             <p:sp>
               <p:nvSpPr>
                 <p:cNvPr id="20" name="矩形 19">
@@ -9937,7 +9937,7 @@
               </p:txBody>
             </p:sp>
           </mc:Choice>
-          <mc:Fallback>
+          <mc:Fallback xmlns="">
             <p:sp>
               <p:nvSpPr>
                 <p:cNvPr id="20" name="矩形 19">
@@ -10220,8 +10220,8 @@
             </a:extLst>
           </p:spPr>
         </p:cxnSp>
-        <mc:AlternateContent xmlns:mc="http://schemas.openxmlformats.org/markup-compatibility/2006">
-          <mc:Choice xmlns:a14="http://schemas.microsoft.com/office/drawing/2010/main" Requires="a14">
+        <mc:AlternateContent xmlns:mc="http://schemas.openxmlformats.org/markup-compatibility/2006" xmlns:a14="http://schemas.microsoft.com/office/drawing/2010/main">
+          <mc:Choice Requires="a14">
             <p:sp>
               <p:nvSpPr>
                 <p:cNvPr id="26" name="矩形 25">
@@ -10320,7 +10320,7 @@
               </p:txBody>
             </p:sp>
           </mc:Choice>
-          <mc:Fallback>
+          <mc:Fallback xmlns="">
             <p:sp>
               <p:nvSpPr>
                 <p:cNvPr id="26" name="矩形 25">
@@ -11849,8 +11849,8 @@
           </a:p>
         </p:txBody>
       </p:sp>
-      <mc:AlternateContent xmlns:mc="http://schemas.openxmlformats.org/markup-compatibility/2006">
-        <mc:Choice xmlns:a14="http://schemas.microsoft.com/office/drawing/2010/main" Requires="a14">
+      <mc:AlternateContent xmlns:mc="http://schemas.openxmlformats.org/markup-compatibility/2006" xmlns:a14="http://schemas.microsoft.com/office/drawing/2010/main">
+        <mc:Choice Requires="a14">
           <p:sp>
             <p:nvSpPr>
               <p:cNvPr id="4" name="Content Placeholder 3">
@@ -12636,7 +12636,7 @@
             </p:txBody>
           </p:sp>
         </mc:Choice>
-        <mc:Fallback>
+        <mc:Fallback xmlns="">
           <p:sp>
             <p:nvSpPr>
               <p:cNvPr id="4" name="Content Placeholder 3">
@@ -12847,8 +12847,8 @@
           </a:p>
         </p:txBody>
       </p:sp>
-      <mc:AlternateContent xmlns:mc="http://schemas.openxmlformats.org/markup-compatibility/2006">
-        <mc:Choice xmlns:a14="http://schemas.microsoft.com/office/drawing/2010/main" Requires="a14">
+      <mc:AlternateContent xmlns:mc="http://schemas.openxmlformats.org/markup-compatibility/2006" xmlns:a14="http://schemas.microsoft.com/office/drawing/2010/main">
+        <mc:Choice Requires="a14">
           <p:sp>
             <p:nvSpPr>
               <p:cNvPr id="4" name="Content Placeholder 3">
@@ -13858,7 +13858,7 @@
             </p:txBody>
           </p:sp>
         </mc:Choice>
-        <mc:Fallback>
+        <mc:Fallback xmlns="">
           <p:sp>
             <p:nvSpPr>
               <p:cNvPr id="4" name="Content Placeholder 3">
@@ -14074,8 +14074,8 @@
           </a:p>
         </p:txBody>
       </p:sp>
-      <mc:AlternateContent xmlns:mc="http://schemas.openxmlformats.org/markup-compatibility/2006">
-        <mc:Choice xmlns:a14="http://schemas.microsoft.com/office/drawing/2010/main" Requires="a14">
+      <mc:AlternateContent xmlns:mc="http://schemas.openxmlformats.org/markup-compatibility/2006" xmlns:a14="http://schemas.microsoft.com/office/drawing/2010/main">
+        <mc:Choice Requires="a14">
           <p:sp>
             <p:nvSpPr>
               <p:cNvPr id="4" name="Content Placeholder 3">
@@ -15581,7 +15581,7 @@
             </p:txBody>
           </p:sp>
         </mc:Choice>
-        <mc:Fallback>
+        <mc:Fallback xmlns="">
           <p:sp>
             <p:nvSpPr>
               <p:cNvPr id="4" name="Content Placeholder 3">
@@ -15797,8 +15797,8 @@
           </a:p>
         </p:txBody>
       </p:sp>
-      <mc:AlternateContent xmlns:mc="http://schemas.openxmlformats.org/markup-compatibility/2006">
-        <mc:Choice xmlns:a14="http://schemas.microsoft.com/office/drawing/2010/main" Requires="a14">
+      <mc:AlternateContent xmlns:mc="http://schemas.openxmlformats.org/markup-compatibility/2006" xmlns:a14="http://schemas.microsoft.com/office/drawing/2010/main">
+        <mc:Choice Requires="a14">
           <p:sp>
             <p:nvSpPr>
               <p:cNvPr id="4" name="Content Placeholder 3">
@@ -16392,7 +16392,7 @@
             </p:txBody>
           </p:sp>
         </mc:Choice>
-        <mc:Fallback>
+        <mc:Fallback xmlns="">
           <p:sp>
             <p:nvSpPr>
               <p:cNvPr id="4" name="Content Placeholder 3">
@@ -16608,8 +16608,8 @@
           </a:p>
         </p:txBody>
       </p:sp>
-      <mc:AlternateContent xmlns:mc="http://schemas.openxmlformats.org/markup-compatibility/2006">
-        <mc:Choice xmlns:a14="http://schemas.microsoft.com/office/drawing/2010/main" Requires="a14">
+      <mc:AlternateContent xmlns:mc="http://schemas.openxmlformats.org/markup-compatibility/2006" xmlns:a14="http://schemas.microsoft.com/office/drawing/2010/main">
+        <mc:Choice Requires="a14">
           <p:sp>
             <p:nvSpPr>
               <p:cNvPr id="4" name="Content Placeholder 3">
@@ -17098,7 +17098,7 @@
             </p:txBody>
           </p:sp>
         </mc:Choice>
-        <mc:Fallback>
+        <mc:Fallback xmlns="">
           <p:sp>
             <p:nvSpPr>
               <p:cNvPr id="4" name="Content Placeholder 3">
@@ -17314,8 +17314,8 @@
           </a:p>
         </p:txBody>
       </p:sp>
-      <mc:AlternateContent xmlns:mc="http://schemas.openxmlformats.org/markup-compatibility/2006">
-        <mc:Choice xmlns:a14="http://schemas.microsoft.com/office/drawing/2010/main" Requires="a14">
+      <mc:AlternateContent xmlns:mc="http://schemas.openxmlformats.org/markup-compatibility/2006" xmlns:a14="http://schemas.microsoft.com/office/drawing/2010/main">
+        <mc:Choice Requires="a14">
           <p:sp>
             <p:nvSpPr>
               <p:cNvPr id="4" name="Content Placeholder 3">
@@ -18306,7 +18306,7 @@
             </p:txBody>
           </p:sp>
         </mc:Choice>
-        <mc:Fallback>
+        <mc:Fallback xmlns="">
           <p:sp>
             <p:nvSpPr>
               <p:cNvPr id="4" name="Content Placeholder 3">
@@ -18774,19 +18774,6 @@
                 </a:r>
                 <a14:m>
                   <m:oMath xmlns:m="http://schemas.openxmlformats.org/officeDocument/2006/math">
-                    <m:r>
-                      <a:rPr lang="en-US" altLang="zh-CN" sz="2000" i="1" dirty="0" smtClean="0">
-                        <a:solidFill>
-                          <a:schemeClr val="tx1">
-                            <a:lumMod val="65000"/>
-                            <a:lumOff val="35000"/>
-                          </a:schemeClr>
-                        </a:solidFill>
-                        <a:latin typeface="Cambria Math" panose="02040503050406030204" pitchFamily="18" charset="0"/>
-                        <a:ea typeface="微软雅黑 Light" panose="020B0502040204020203" pitchFamily="34" charset="-122"/>
-                      </a:rPr>
-                      <m:t>𝑞</m:t>
-                    </m:r>
                     <m:d>
                       <m:dPr>
                         <m:ctrlPr>
@@ -19360,19 +19347,6 @@
                 </a:r>
                 <a14:m>
                   <m:oMath xmlns:m="http://schemas.openxmlformats.org/officeDocument/2006/math">
-                    <m:r>
-                      <a:rPr lang="en-US" altLang="zh-CN" sz="2000" i="1" dirty="0" smtClean="0">
-                        <a:solidFill>
-                          <a:schemeClr val="tx1">
-                            <a:lumMod val="65000"/>
-                            <a:lumOff val="35000"/>
-                          </a:schemeClr>
-                        </a:solidFill>
-                        <a:latin typeface="Cambria Math" panose="02040503050406030204" pitchFamily="18" charset="0"/>
-                        <a:ea typeface="微软雅黑 Light" panose="020B0502040204020203" pitchFamily="34" charset="-122"/>
-                      </a:rPr>
-                      <m:t>𝑞</m:t>
-                    </m:r>
                     <m:d>
                       <m:dPr>
                         <m:ctrlPr>
@@ -20001,20 +19975,7 @@
                           <a:latin typeface="Cambria Math" panose="02040503050406030204" pitchFamily="18" charset="0"/>
                           <a:ea typeface="微软雅黑 Light" panose="020B0502040204020203" pitchFamily="34" charset="-122"/>
                         </a:rPr>
-                        <m:t>)</m:t>
-                      </m:r>
-                      <m:r>
-                        <a:rPr lang="en-US" altLang="zh-CN" sz="1800" i="1" dirty="0">
-                          <a:solidFill>
-                            <a:schemeClr val="tx1">
-                              <a:lumMod val="65000"/>
-                              <a:lumOff val="35000"/>
-                            </a:schemeClr>
-                          </a:solidFill>
-                          <a:latin typeface="Cambria Math" panose="02040503050406030204" pitchFamily="18" charset="0"/>
-                          <a:ea typeface="微软雅黑 Light" panose="020B0502040204020203" pitchFamily="34" charset="-122"/>
-                        </a:rPr>
-                        <m:t>⟹</m:t>
+                        <m:t>)⟹</m:t>
                       </m:r>
                       <m:r>
                         <a:rPr lang="en-US" altLang="zh-CN" sz="1800" i="1" dirty="0">

--- a/PPT/38_四元数2of2.pptx
+++ b/PPT/38_四元数2of2.pptx
@@ -8,7 +8,7 @@
     <p:notesMasterId r:id="rId15"/>
   </p:notesMasterIdLst>
   <p:sldIdLst>
-    <p:sldId id="256" r:id="rId2"/>
+    <p:sldId id="281" r:id="rId2"/>
     <p:sldId id="257" r:id="rId3"/>
     <p:sldId id="270" r:id="rId4"/>
     <p:sldId id="272" r:id="rId5"/>
@@ -20,7 +20,7 @@
     <p:sldId id="269" r:id="rId11"/>
     <p:sldId id="279" r:id="rId12"/>
     <p:sldId id="280" r:id="rId13"/>
-    <p:sldId id="259" r:id="rId14"/>
+    <p:sldId id="282" r:id="rId14"/>
   </p:sldIdLst>
   <p:sldSz cx="9144000" cy="5143500" type="screen16x9"/>
   <p:notesSz cx="6858000" cy="9144000"/>
@@ -336,7 +336,7 @@
               <a:pPr>
                 <a:defRPr/>
               </a:pPr>
-              <a:t>2017/8/29</a:t>
+              <a:t>2017/10/9</a:t>
             </a:fld>
             <a:endParaRPr lang="zh-CN" altLang="en-US" sz="1200"/>
           </a:p>
@@ -952,7 +952,7 @@
               <a:pPr>
                 <a:defRPr/>
               </a:pPr>
-              <a:t>2017/8/29</a:t>
+              <a:t>2017/10/9</a:t>
             </a:fld>
             <a:endParaRPr lang="zh-CN" altLang="en-US" sz="1200"/>
           </a:p>
@@ -3311,66 +3311,6 @@
           <a:chExt cx="0" cy="0"/>
         </a:xfrm>
       </p:grpSpPr>
-      <p:pic>
-        <p:nvPicPr>
-          <p:cNvPr id="2050" name="Picture 2" descr="D:\work\CSDN学院ppt\5.jpg">
-            <a:extLst>
-              <a:ext uri="{FF2B5EF4-FFF2-40B4-BE49-F238E27FC236}">
-                <a16:creationId xmlns:a16="http://schemas.microsoft.com/office/drawing/2014/main" id="{B1E9848E-751E-4B3D-A7EF-6C54DCF329D3}"/>
-              </a:ext>
-            </a:extLst>
-          </p:cNvPr>
-          <p:cNvPicPr>
-            <a:picLocks noChangeAspect="1" noChangeArrowheads="1"/>
-          </p:cNvPicPr>
-          <p:nvPr/>
-        </p:nvPicPr>
-        <p:blipFill>
-          <a:blip r:embed="rId2">
-            <a:extLst>
-              <a:ext uri="{28A0092B-C50C-407E-A947-70E740481C1C}">
-                <a14:useLocalDpi xmlns:a14="http://schemas.microsoft.com/office/drawing/2010/main" val="0"/>
-              </a:ext>
-            </a:extLst>
-          </a:blip>
-          <a:srcRect/>
-          <a:stretch>
-            <a:fillRect/>
-          </a:stretch>
-        </p:blipFill>
-        <p:spPr bwMode="auto">
-          <a:xfrm>
-            <a:off x="0" y="0"/>
-            <a:ext cx="9140825" cy="5141913"/>
-          </a:xfrm>
-          <a:prstGeom prst="rect">
-            <a:avLst/>
-          </a:prstGeom>
-          <a:noFill/>
-          <a:ln>
-            <a:noFill/>
-          </a:ln>
-          <a:extLst>
-            <a:ext uri="{909E8E84-426E-40DD-AFC4-6F175D3DCCD1}">
-              <a14:hiddenFill xmlns:a14="http://schemas.microsoft.com/office/drawing/2010/main">
-                <a:solidFill>
-                  <a:srgbClr val="FFFFFF"/>
-                </a:solidFill>
-              </a14:hiddenFill>
-            </a:ext>
-            <a:ext uri="{91240B29-F687-4F45-9708-019B960494DF}">
-              <a14:hiddenLine xmlns:a14="http://schemas.microsoft.com/office/drawing/2010/main" w="9525">
-                <a:solidFill>
-                  <a:srgbClr val="000000"/>
-                </a:solidFill>
-                <a:miter lim="800000"/>
-                <a:headEnd/>
-                <a:tailEnd/>
-              </a14:hiddenLine>
-            </a:ext>
-          </a:extLst>
-        </p:spPr>
-      </p:pic>
       <p:sp>
         <p:nvSpPr>
           <p:cNvPr id="3075" name="Title 1">
@@ -3387,8 +3327,8 @@
         </p:nvSpPr>
         <p:spPr bwMode="auto">
           <a:xfrm>
-            <a:off x="2967038" y="171450"/>
-            <a:ext cx="6107112" cy="1493838"/>
+            <a:off x="2771850" y="171450"/>
+            <a:ext cx="6302300" cy="1493838"/>
           </a:xfrm>
           <a:prstGeom prst="rect">
             <a:avLst/>
@@ -3444,220 +3384,6 @@
               <a:t>四元数</a:t>
             </a:r>
             <a:endParaRPr lang="en-US" altLang="zh-CN" sz="4800" dirty="0">
-              <a:solidFill>
-                <a:schemeClr val="tx1">
-                  <a:lumMod val="65000"/>
-                  <a:lumOff val="35000"/>
-                </a:schemeClr>
-              </a:solidFill>
-              <a:latin typeface="微软雅黑" panose="020B0503020204020204" pitchFamily="34" charset="-122"/>
-              <a:ea typeface="微软雅黑" panose="020B0503020204020204" pitchFamily="34" charset="-122"/>
-              <a:sym typeface="微软雅黑" panose="020B0503020204020204" pitchFamily="34" charset="-122"/>
-            </a:endParaRPr>
-          </a:p>
-        </p:txBody>
-      </p:sp>
-      <p:sp>
-        <p:nvSpPr>
-          <p:cNvPr id="2052" name="文本框 4">
-            <a:extLst>
-              <a:ext uri="{FF2B5EF4-FFF2-40B4-BE49-F238E27FC236}">
-                <a16:creationId xmlns:a16="http://schemas.microsoft.com/office/drawing/2014/main" id="{EA441C0C-3E5D-4FDF-A876-649104AAE2DB}"/>
-              </a:ext>
-            </a:extLst>
-          </p:cNvPr>
-          <p:cNvSpPr>
-            <a:spLocks noChangeArrowheads="1"/>
-          </p:cNvSpPr>
-          <p:nvPr/>
-        </p:nvSpPr>
-        <p:spPr bwMode="auto">
-          <a:xfrm>
-            <a:off x="4473575" y="2787650"/>
-            <a:ext cx="4202113" cy="336695"/>
-          </a:xfrm>
-          <a:prstGeom prst="rect">
-            <a:avLst/>
-          </a:prstGeom>
-          <a:noFill/>
-          <a:ln>
-            <a:noFill/>
-          </a:ln>
-          <a:extLst>
-            <a:ext uri="{909E8E84-426E-40DD-AFC4-6F175D3DCCD1}">
-              <a14:hiddenFill xmlns:a14="http://schemas.microsoft.com/office/drawing/2010/main">
-                <a:solidFill>
-                  <a:srgbClr val="FFFFFF"/>
-                </a:solidFill>
-              </a14:hiddenFill>
-            </a:ext>
-            <a:ext uri="{91240B29-F687-4F45-9708-019B960494DF}">
-              <a14:hiddenLine xmlns:a14="http://schemas.microsoft.com/office/drawing/2010/main" w="9525">
-                <a:solidFill>
-                  <a:srgbClr val="000000"/>
-                </a:solidFill>
-                <a:miter lim="800000"/>
-                <a:headEnd/>
-                <a:tailEnd/>
-              </a14:hiddenLine>
-            </a:ext>
-          </a:extLst>
-        </p:spPr>
-        <p:txBody>
-          <a:bodyPr>
-            <a:spAutoFit/>
-          </a:bodyPr>
-          <a:lstStyle>
-            <a:lvl1pPr>
-              <a:buFont typeface="Arial" panose="020B0604020202020204" pitchFamily="34" charset="0"/>
-              <a:defRPr>
-                <a:solidFill>
-                  <a:schemeClr val="tx1"/>
-                </a:solidFill>
-                <a:latin typeface="Arial" panose="020B0604020202020204" pitchFamily="34" charset="0"/>
-                <a:ea typeface="宋体" panose="02010600030101010101" pitchFamily="2" charset="-122"/>
-              </a:defRPr>
-            </a:lvl1pPr>
-            <a:lvl2pPr marL="742950" indent="-285750">
-              <a:buFont typeface="Arial" panose="020B0604020202020204" pitchFamily="34" charset="0"/>
-              <a:defRPr>
-                <a:solidFill>
-                  <a:schemeClr val="tx1"/>
-                </a:solidFill>
-                <a:latin typeface="Arial" panose="020B0604020202020204" pitchFamily="34" charset="0"/>
-                <a:ea typeface="宋体" panose="02010600030101010101" pitchFamily="2" charset="-122"/>
-              </a:defRPr>
-            </a:lvl2pPr>
-            <a:lvl3pPr marL="1143000" indent="-228600">
-              <a:buFont typeface="Arial" panose="020B0604020202020204" pitchFamily="34" charset="0"/>
-              <a:defRPr>
-                <a:solidFill>
-                  <a:schemeClr val="tx1"/>
-                </a:solidFill>
-                <a:latin typeface="Arial" panose="020B0604020202020204" pitchFamily="34" charset="0"/>
-                <a:ea typeface="宋体" panose="02010600030101010101" pitchFamily="2" charset="-122"/>
-              </a:defRPr>
-            </a:lvl3pPr>
-            <a:lvl4pPr marL="1600200" indent="-228600">
-              <a:buFont typeface="Arial" panose="020B0604020202020204" pitchFamily="34" charset="0"/>
-              <a:defRPr>
-                <a:solidFill>
-                  <a:schemeClr val="tx1"/>
-                </a:solidFill>
-                <a:latin typeface="Arial" panose="020B0604020202020204" pitchFamily="34" charset="0"/>
-                <a:ea typeface="宋体" panose="02010600030101010101" pitchFamily="2" charset="-122"/>
-              </a:defRPr>
-            </a:lvl4pPr>
-            <a:lvl5pPr marL="2057400" indent="-228600">
-              <a:buFont typeface="Arial" panose="020B0604020202020204" pitchFamily="34" charset="0"/>
-              <a:defRPr>
-                <a:solidFill>
-                  <a:schemeClr val="tx1"/>
-                </a:solidFill>
-                <a:latin typeface="Arial" panose="020B0604020202020204" pitchFamily="34" charset="0"/>
-                <a:ea typeface="宋体" panose="02010600030101010101" pitchFamily="2" charset="-122"/>
-              </a:defRPr>
-            </a:lvl5pPr>
-            <a:lvl6pPr marL="2514600" indent="-228600" eaLnBrk="0" fontAlgn="base" hangingPunct="0">
-              <a:spcBef>
-                <a:spcPct val="0"/>
-              </a:spcBef>
-              <a:spcAft>
-                <a:spcPct val="0"/>
-              </a:spcAft>
-              <a:buFont typeface="Arial" panose="020B0604020202020204" pitchFamily="34" charset="0"/>
-              <a:defRPr>
-                <a:solidFill>
-                  <a:schemeClr val="tx1"/>
-                </a:solidFill>
-                <a:latin typeface="Arial" panose="020B0604020202020204" pitchFamily="34" charset="0"/>
-                <a:ea typeface="宋体" panose="02010600030101010101" pitchFamily="2" charset="-122"/>
-              </a:defRPr>
-            </a:lvl6pPr>
-            <a:lvl7pPr marL="2971800" indent="-228600" eaLnBrk="0" fontAlgn="base" hangingPunct="0">
-              <a:spcBef>
-                <a:spcPct val="0"/>
-              </a:spcBef>
-              <a:spcAft>
-                <a:spcPct val="0"/>
-              </a:spcAft>
-              <a:buFont typeface="Arial" panose="020B0604020202020204" pitchFamily="34" charset="0"/>
-              <a:defRPr>
-                <a:solidFill>
-                  <a:schemeClr val="tx1"/>
-                </a:solidFill>
-                <a:latin typeface="Arial" panose="020B0604020202020204" pitchFamily="34" charset="0"/>
-                <a:ea typeface="宋体" panose="02010600030101010101" pitchFamily="2" charset="-122"/>
-              </a:defRPr>
-            </a:lvl7pPr>
-            <a:lvl8pPr marL="3429000" indent="-228600" eaLnBrk="0" fontAlgn="base" hangingPunct="0">
-              <a:spcBef>
-                <a:spcPct val="0"/>
-              </a:spcBef>
-              <a:spcAft>
-                <a:spcPct val="0"/>
-              </a:spcAft>
-              <a:buFont typeface="Arial" panose="020B0604020202020204" pitchFamily="34" charset="0"/>
-              <a:defRPr>
-                <a:solidFill>
-                  <a:schemeClr val="tx1"/>
-                </a:solidFill>
-                <a:latin typeface="Arial" panose="020B0604020202020204" pitchFamily="34" charset="0"/>
-                <a:ea typeface="宋体" panose="02010600030101010101" pitchFamily="2" charset="-122"/>
-              </a:defRPr>
-            </a:lvl8pPr>
-            <a:lvl9pPr marL="3886200" indent="-228600" eaLnBrk="0" fontAlgn="base" hangingPunct="0">
-              <a:spcBef>
-                <a:spcPct val="0"/>
-              </a:spcBef>
-              <a:spcAft>
-                <a:spcPct val="0"/>
-              </a:spcAft>
-              <a:buFont typeface="Arial" panose="020B0604020202020204" pitchFamily="34" charset="0"/>
-              <a:defRPr>
-                <a:solidFill>
-                  <a:schemeClr val="tx1"/>
-                </a:solidFill>
-                <a:latin typeface="Arial" panose="020B0604020202020204" pitchFamily="34" charset="0"/>
-                <a:ea typeface="宋体" panose="02010600030101010101" pitchFamily="2" charset="-122"/>
-              </a:defRPr>
-            </a:lvl9pPr>
-          </a:lstStyle>
-          <a:p>
-            <a:pPr eaLnBrk="1" hangingPunct="1">
-              <a:lnSpc>
-                <a:spcPct val="150000"/>
-              </a:lnSpc>
-            </a:pPr>
-            <a:r>
-              <a:rPr lang="en-US" altLang="zh-CN" sz="1200" dirty="0">
-                <a:solidFill>
-                  <a:schemeClr val="tx1">
-                    <a:lumMod val="65000"/>
-                    <a:lumOff val="35000"/>
-                  </a:schemeClr>
-                </a:solidFill>
-                <a:latin typeface="微软雅黑" panose="020B0503020204020204" pitchFamily="34" charset="-122"/>
-                <a:ea typeface="微软雅黑" panose="020B0503020204020204" pitchFamily="34" charset="-122"/>
-                <a:sym typeface="微软雅黑" panose="020B0503020204020204" pitchFamily="34" charset="-122"/>
-              </a:rPr>
-              <a:t>CSDN</a:t>
-            </a:r>
-            <a:r>
-              <a:rPr lang="zh-CN" altLang="en-US" sz="1200" dirty="0">
-                <a:solidFill>
-                  <a:schemeClr val="tx1">
-                    <a:lumMod val="65000"/>
-                    <a:lumOff val="35000"/>
-                  </a:schemeClr>
-                </a:solidFill>
-                <a:latin typeface="微软雅黑" panose="020B0503020204020204" pitchFamily="34" charset="-122"/>
-                <a:ea typeface="微软雅黑" panose="020B0503020204020204" pitchFamily="34" charset="-122"/>
-                <a:sym typeface="微软雅黑" panose="020B0503020204020204" pitchFamily="34" charset="-122"/>
-              </a:rPr>
-              <a:t>博客地址</a:t>
-            </a:r>
-            <a:endParaRPr lang="en-US" altLang="zh-CN" sz="1200" dirty="0">
               <a:solidFill>
                 <a:schemeClr val="tx1">
                   <a:lumMod val="65000"/>
@@ -3858,8 +3584,8 @@
         </p:nvSpPr>
         <p:spPr bwMode="auto">
           <a:xfrm>
-            <a:off x="4827588" y="2097088"/>
-            <a:ext cx="2470150" cy="738187"/>
+            <a:off x="4828318" y="2097088"/>
+            <a:ext cx="2468689" cy="700576"/>
           </a:xfrm>
           <a:prstGeom prst="rect">
             <a:avLst/>
@@ -4056,10 +3782,10 @@
       </p:sp>
       <p:sp>
         <p:nvSpPr>
-          <p:cNvPr id="2055" name="文本框 6">
+          <p:cNvPr id="12" name="矩形 6">
             <a:extLst>
               <a:ext uri="{FF2B5EF4-FFF2-40B4-BE49-F238E27FC236}">
-                <a16:creationId xmlns:a16="http://schemas.microsoft.com/office/drawing/2014/main" id="{24B7095F-E59A-4D2B-BCB8-29A41E044681}"/>
+                <a16:creationId xmlns:a16="http://schemas.microsoft.com/office/drawing/2014/main" id="{0E39F71D-14AF-466F-80F7-D013332A6BF5}"/>
               </a:ext>
             </a:extLst>
           </p:cNvPr>
@@ -4070,30 +3796,25 @@
         </p:nvSpPr>
         <p:spPr bwMode="auto">
           <a:xfrm>
-            <a:off x="4500563" y="3230563"/>
-            <a:ext cx="2735262" cy="276225"/>
+            <a:off x="0" y="4622222"/>
+            <a:ext cx="9144000" cy="538162"/>
           </a:xfrm>
           <a:prstGeom prst="rect">
             <a:avLst/>
           </a:prstGeom>
-          <a:noFill/>
+          <a:solidFill>
+            <a:srgbClr val="C00000"/>
+          </a:solidFill>
           <a:ln>
             <a:noFill/>
           </a:ln>
           <a:extLst>
-            <a:ext uri="{909E8E84-426E-40DD-AFC4-6F175D3DCCD1}">
-              <a14:hiddenFill xmlns:a14="http://schemas.microsoft.com/office/drawing/2010/main">
+            <a:ext uri="{91240B29-F687-4F45-9708-019B960494DF}">
+              <a14:hiddenLine xmlns:a14="http://schemas.microsoft.com/office/drawing/2010/main" w="25400">
                 <a:solidFill>
-                  <a:srgbClr val="FFFFFF"/>
+                  <a:srgbClr val="395E8A"/>
                 </a:solidFill>
-              </a14:hiddenFill>
-            </a:ext>
-            <a:ext uri="{91240B29-F687-4F45-9708-019B960494DF}">
-              <a14:hiddenLine xmlns:a14="http://schemas.microsoft.com/office/drawing/2010/main" w="9525">
-                <a:solidFill>
-                  <a:srgbClr val="000000"/>
-                </a:solidFill>
-                <a:miter lim="800000"/>
+                <a:bevel/>
                 <a:headEnd/>
                 <a:tailEnd/>
               </a14:hiddenLine>
@@ -4101,9 +3822,7 @@
           </a:extLst>
         </p:spPr>
         <p:txBody>
-          <a:bodyPr>
-            <a:spAutoFit/>
-          </a:bodyPr>
+          <a:bodyPr anchor="ctr"/>
           <a:lstStyle>
             <a:lvl1pPr>
               <a:buFont typeface="Arial" panose="020B0604020202020204" pitchFamily="34" charset="0"/>
@@ -4221,106 +3940,99 @@
             </a:lvl9pPr>
           </a:lstStyle>
           <a:p>
-            <a:pPr eaLnBrk="1" hangingPunct="1"/>
-            <a:r>
-              <a:rPr lang="en-US" altLang="zh-CN" sz="1200" dirty="0">
-                <a:solidFill>
-                  <a:schemeClr val="tx1">
-                    <a:lumMod val="65000"/>
-                    <a:lumOff val="35000"/>
-                  </a:schemeClr>
-                </a:solidFill>
-                <a:latin typeface="微软雅黑" panose="020B0503020204020204" pitchFamily="34" charset="-122"/>
-                <a:ea typeface="微软雅黑" panose="020B0503020204020204" pitchFamily="34" charset="-122"/>
-                <a:sym typeface="微软雅黑" panose="020B0503020204020204" pitchFamily="34" charset="-122"/>
-              </a:rPr>
-              <a:t>http://blog.csdn.net/zhangci226</a:t>
-            </a:r>
-            <a:endParaRPr lang="zh-CN" altLang="en-US" sz="1200" dirty="0">
+            <a:pPr algn="ctr" eaLnBrk="1" hangingPunct="1"/>
+            <a:endParaRPr lang="zh-CN" altLang="zh-CN">
               <a:solidFill>
-                <a:schemeClr val="tx1">
-                  <a:lumMod val="65000"/>
-                  <a:lumOff val="35000"/>
-                </a:schemeClr>
+                <a:srgbClr val="FFFFFF"/>
               </a:solidFill>
-              <a:latin typeface="微软雅黑" panose="020B0503020204020204" pitchFamily="34" charset="-122"/>
-              <a:ea typeface="微软雅黑" panose="020B0503020204020204" pitchFamily="34" charset="-122"/>
-              <a:sym typeface="微软雅黑" panose="020B0503020204020204" pitchFamily="34" charset="-122"/>
+              <a:latin typeface="宋体" panose="02010600030101010101" pitchFamily="2" charset="-122"/>
+              <a:sym typeface="宋体" panose="02010600030101010101" pitchFamily="2" charset="-122"/>
             </a:endParaRPr>
           </a:p>
         </p:txBody>
       </p:sp>
       <p:pic>
         <p:nvPicPr>
-          <p:cNvPr id="2056" name="Picture 2">
+          <p:cNvPr id="3" name="图片 2">
             <a:extLst>
               <a:ext uri="{FF2B5EF4-FFF2-40B4-BE49-F238E27FC236}">
-                <a16:creationId xmlns:a16="http://schemas.microsoft.com/office/drawing/2014/main" id="{58294FCF-AD8A-45BB-B856-A1E2A589334A}"/>
+                <a16:creationId xmlns:a16="http://schemas.microsoft.com/office/drawing/2014/main" id="{583004D2-6E63-4036-ACDD-0910B14D3FCA}"/>
               </a:ext>
             </a:extLst>
           </p:cNvPr>
           <p:cNvPicPr>
-            <a:picLocks noChangeAspect="1" noChangeArrowheads="1"/>
+            <a:picLocks noChangeAspect="1"/>
           </p:cNvPicPr>
           <p:nvPr/>
         </p:nvPicPr>
         <p:blipFill>
-          <a:blip r:embed="rId3">
+          <a:blip r:embed="rId2">
             <a:extLst>
               <a:ext uri="{28A0092B-C50C-407E-A947-70E740481C1C}">
                 <a14:useLocalDpi xmlns:a14="http://schemas.microsoft.com/office/drawing/2010/main" val="0"/>
               </a:ext>
             </a:extLst>
           </a:blip>
-          <a:srcRect/>
           <a:stretch>
             <a:fillRect/>
           </a:stretch>
         </p:blipFill>
-        <p:spPr bwMode="auto">
+        <p:spPr>
           <a:xfrm>
-            <a:off x="107950" y="123825"/>
-            <a:ext cx="1296988" cy="539750"/>
+            <a:off x="251641" y="267559"/>
+            <a:ext cx="3379278" cy="4173683"/>
           </a:xfrm>
           <a:prstGeom prst="rect">
             <a:avLst/>
           </a:prstGeom>
-          <a:noFill/>
-          <a:ln>
-            <a:noFill/>
-          </a:ln>
-          <a:effectLst/>
-          <a:extLst>
-            <a:ext uri="{909E8E84-426E-40DD-AFC4-6F175D3DCCD1}">
-              <a14:hiddenFill xmlns:a14="http://schemas.microsoft.com/office/drawing/2010/main">
+        </p:spPr>
+      </p:pic>
+      <p:sp>
+        <p:nvSpPr>
+          <p:cNvPr id="4" name="矩形 3">
+            <a:extLst>
+              <a:ext uri="{FF2B5EF4-FFF2-40B4-BE49-F238E27FC236}">
+                <a16:creationId xmlns:a16="http://schemas.microsoft.com/office/drawing/2014/main" id="{4216CA4C-6561-4063-B20A-0403314CB7B8}"/>
+              </a:ext>
+            </a:extLst>
+          </p:cNvPr>
+          <p:cNvSpPr/>
+          <p:nvPr/>
+        </p:nvSpPr>
+        <p:spPr>
+          <a:xfrm>
+            <a:off x="6712629" y="4722628"/>
+            <a:ext cx="2431371" cy="369332"/>
+          </a:xfrm>
+          <a:prstGeom prst="rect">
+            <a:avLst/>
+          </a:prstGeom>
+        </p:spPr>
+        <p:txBody>
+          <a:bodyPr wrap="none">
+            <a:spAutoFit/>
+          </a:bodyPr>
+          <a:lstStyle/>
+          <a:p>
+            <a:r>
+              <a:rPr lang="en-US" altLang="zh-CN" dirty="0">
                 <a:solidFill>
                   <a:srgbClr val="FFFFFF"/>
                 </a:solidFill>
-              </a14:hiddenFill>
-            </a:ext>
-            <a:ext uri="{91240B29-F687-4F45-9708-019B960494DF}">
-              <a14:hiddenLine xmlns:a14="http://schemas.microsoft.com/office/drawing/2010/main" w="9525">
-                <a:solidFill>
-                  <a:srgbClr val="000000"/>
-                </a:solidFill>
-                <a:bevel/>
-                <a:headEnd/>
-                <a:tailEnd/>
-              </a14:hiddenLine>
-            </a:ext>
-            <a:ext uri="{AF507438-7753-43E0-B8FC-AC1667EBCBE1}">
-              <a14:hiddenEffects xmlns:a14="http://schemas.microsoft.com/office/drawing/2010/main">
-                <a:effectLst>
-                  <a:outerShdw dist="35921" dir="2700000" algn="ctr" rotWithShape="0">
-                    <a:srgbClr val="808080"/>
-                  </a:outerShdw>
-                </a:effectLst>
-              </a14:hiddenEffects>
-            </a:ext>
-          </a:extLst>
-        </p:spPr>
-      </p:pic>
+                <a:latin typeface="MicrosoftYaHei"/>
+              </a:rPr>
+              <a:t>GRAPHICS LABORATORY</a:t>
+            </a:r>
+            <a:endParaRPr lang="zh-CN" altLang="en-US" dirty="0"/>
+          </a:p>
+        </p:txBody>
+      </p:sp>
     </p:spTree>
+    <p:extLst>
+      <p:ext uri="{BB962C8B-B14F-4D97-AF65-F5344CB8AC3E}">
+        <p14:creationId xmlns:p14="http://schemas.microsoft.com/office/powerpoint/2010/main" val="2211701857"/>
+      </p:ext>
+    </p:extLst>
   </p:cSld>
   <p:clrMapOvr>
     <a:masterClrMapping/>
@@ -4345,76 +4057,6 @@
           <a:chExt cx="0" cy="0"/>
         </a:xfrm>
       </p:grpSpPr>
-      <p:pic>
-        <p:nvPicPr>
-          <p:cNvPr id="3074" name="Picture 2">
-            <a:extLst>
-              <a:ext uri="{FF2B5EF4-FFF2-40B4-BE49-F238E27FC236}">
-                <a16:creationId xmlns:a16="http://schemas.microsoft.com/office/drawing/2014/main" id="{CE3CEE5C-FBEB-4342-B1B3-D6580A905CD6}"/>
-              </a:ext>
-            </a:extLst>
-          </p:cNvPr>
-          <p:cNvPicPr>
-            <a:picLocks noChangeAspect="1" noChangeArrowheads="1"/>
-          </p:cNvPicPr>
-          <p:nvPr/>
-        </p:nvPicPr>
-        <p:blipFill>
-          <a:blip r:embed="rId2">
-            <a:extLst>
-              <a:ext uri="{28A0092B-C50C-407E-A947-70E740481C1C}">
-                <a14:useLocalDpi xmlns:a14="http://schemas.microsoft.com/office/drawing/2010/main" val="0"/>
-              </a:ext>
-            </a:extLst>
-          </a:blip>
-          <a:srcRect/>
-          <a:stretch>
-            <a:fillRect/>
-          </a:stretch>
-        </p:blipFill>
-        <p:spPr bwMode="auto">
-          <a:xfrm>
-            <a:off x="7956550" y="4606925"/>
-            <a:ext cx="1081088" cy="450850"/>
-          </a:xfrm>
-          <a:prstGeom prst="rect">
-            <a:avLst/>
-          </a:prstGeom>
-          <a:noFill/>
-          <a:ln>
-            <a:noFill/>
-          </a:ln>
-          <a:effectLst/>
-          <a:extLst>
-            <a:ext uri="{909E8E84-426E-40DD-AFC4-6F175D3DCCD1}">
-              <a14:hiddenFill xmlns:a14="http://schemas.microsoft.com/office/drawing/2010/main">
-                <a:solidFill>
-                  <a:srgbClr val="FFFFFF"/>
-                </a:solidFill>
-              </a14:hiddenFill>
-            </a:ext>
-            <a:ext uri="{91240B29-F687-4F45-9708-019B960494DF}">
-              <a14:hiddenLine xmlns:a14="http://schemas.microsoft.com/office/drawing/2010/main" w="9525">
-                <a:solidFill>
-                  <a:srgbClr val="000000"/>
-                </a:solidFill>
-                <a:miter lim="800000"/>
-                <a:headEnd/>
-                <a:tailEnd/>
-              </a14:hiddenLine>
-            </a:ext>
-            <a:ext uri="{AF507438-7753-43E0-B8FC-AC1667EBCBE1}">
-              <a14:hiddenEffects xmlns:a14="http://schemas.microsoft.com/office/drawing/2010/main">
-                <a:effectLst>
-                  <a:outerShdw dist="35921" dir="2700000" algn="ctr" rotWithShape="0">
-                    <a:srgbClr val="808080"/>
-                  </a:outerShdw>
-                </a:effectLst>
-              </a14:hiddenEffects>
-            </a:ext>
-          </a:extLst>
-        </p:spPr>
-      </p:pic>
       <p:sp>
         <p:nvSpPr>
           <p:cNvPr id="3075" name="Title 1">
@@ -5955,76 +5597,6 @@
           <a:chExt cx="0" cy="0"/>
         </a:xfrm>
       </p:grpSpPr>
-      <p:pic>
-        <p:nvPicPr>
-          <p:cNvPr id="3074" name="Picture 2">
-            <a:extLst>
-              <a:ext uri="{FF2B5EF4-FFF2-40B4-BE49-F238E27FC236}">
-                <a16:creationId xmlns:a16="http://schemas.microsoft.com/office/drawing/2014/main" id="{CE3CEE5C-FBEB-4342-B1B3-D6580A905CD6}"/>
-              </a:ext>
-            </a:extLst>
-          </p:cNvPr>
-          <p:cNvPicPr>
-            <a:picLocks noChangeAspect="1" noChangeArrowheads="1"/>
-          </p:cNvPicPr>
-          <p:nvPr/>
-        </p:nvPicPr>
-        <p:blipFill>
-          <a:blip r:embed="rId2">
-            <a:extLst>
-              <a:ext uri="{28A0092B-C50C-407E-A947-70E740481C1C}">
-                <a14:useLocalDpi xmlns:a14="http://schemas.microsoft.com/office/drawing/2010/main" val="0"/>
-              </a:ext>
-            </a:extLst>
-          </a:blip>
-          <a:srcRect/>
-          <a:stretch>
-            <a:fillRect/>
-          </a:stretch>
-        </p:blipFill>
-        <p:spPr bwMode="auto">
-          <a:xfrm>
-            <a:off x="7956550" y="4606925"/>
-            <a:ext cx="1081088" cy="450850"/>
-          </a:xfrm>
-          <a:prstGeom prst="rect">
-            <a:avLst/>
-          </a:prstGeom>
-          <a:noFill/>
-          <a:ln>
-            <a:noFill/>
-          </a:ln>
-          <a:effectLst/>
-          <a:extLst>
-            <a:ext uri="{909E8E84-426E-40DD-AFC4-6F175D3DCCD1}">
-              <a14:hiddenFill xmlns:a14="http://schemas.microsoft.com/office/drawing/2010/main">
-                <a:solidFill>
-                  <a:srgbClr val="FFFFFF"/>
-                </a:solidFill>
-              </a14:hiddenFill>
-            </a:ext>
-            <a:ext uri="{91240B29-F687-4F45-9708-019B960494DF}">
-              <a14:hiddenLine xmlns:a14="http://schemas.microsoft.com/office/drawing/2010/main" w="9525">
-                <a:solidFill>
-                  <a:srgbClr val="000000"/>
-                </a:solidFill>
-                <a:miter lim="800000"/>
-                <a:headEnd/>
-                <a:tailEnd/>
-              </a14:hiddenLine>
-            </a:ext>
-            <a:ext uri="{AF507438-7753-43E0-B8FC-AC1667EBCBE1}">
-              <a14:hiddenEffects xmlns:a14="http://schemas.microsoft.com/office/drawing/2010/main">
-                <a:effectLst>
-                  <a:outerShdw dist="35921" dir="2700000" algn="ctr" rotWithShape="0">
-                    <a:srgbClr val="808080"/>
-                  </a:outerShdw>
-                </a:effectLst>
-              </a14:hiddenEffects>
-            </a:ext>
-          </a:extLst>
-        </p:spPr>
-      </p:pic>
       <p:sp>
         <p:nvSpPr>
           <p:cNvPr id="3075" name="Title 1">
@@ -7688,76 +7260,6 @@
           <a:chExt cx="0" cy="0"/>
         </a:xfrm>
       </p:grpSpPr>
-      <p:pic>
-        <p:nvPicPr>
-          <p:cNvPr id="3074" name="Picture 2">
-            <a:extLst>
-              <a:ext uri="{FF2B5EF4-FFF2-40B4-BE49-F238E27FC236}">
-                <a16:creationId xmlns:a16="http://schemas.microsoft.com/office/drawing/2014/main" id="{CE3CEE5C-FBEB-4342-B1B3-D6580A905CD6}"/>
-              </a:ext>
-            </a:extLst>
-          </p:cNvPr>
-          <p:cNvPicPr>
-            <a:picLocks noChangeAspect="1" noChangeArrowheads="1"/>
-          </p:cNvPicPr>
-          <p:nvPr/>
-        </p:nvPicPr>
-        <p:blipFill>
-          <a:blip r:embed="rId2">
-            <a:extLst>
-              <a:ext uri="{28A0092B-C50C-407E-A947-70E740481C1C}">
-                <a14:useLocalDpi xmlns:a14="http://schemas.microsoft.com/office/drawing/2010/main" val="0"/>
-              </a:ext>
-            </a:extLst>
-          </a:blip>
-          <a:srcRect/>
-          <a:stretch>
-            <a:fillRect/>
-          </a:stretch>
-        </p:blipFill>
-        <p:spPr bwMode="auto">
-          <a:xfrm>
-            <a:off x="7956550" y="4606925"/>
-            <a:ext cx="1081088" cy="450850"/>
-          </a:xfrm>
-          <a:prstGeom prst="rect">
-            <a:avLst/>
-          </a:prstGeom>
-          <a:noFill/>
-          <a:ln>
-            <a:noFill/>
-          </a:ln>
-          <a:effectLst/>
-          <a:extLst>
-            <a:ext uri="{909E8E84-426E-40DD-AFC4-6F175D3DCCD1}">
-              <a14:hiddenFill xmlns:a14="http://schemas.microsoft.com/office/drawing/2010/main">
-                <a:solidFill>
-                  <a:srgbClr val="FFFFFF"/>
-                </a:solidFill>
-              </a14:hiddenFill>
-            </a:ext>
-            <a:ext uri="{91240B29-F687-4F45-9708-019B960494DF}">
-              <a14:hiddenLine xmlns:a14="http://schemas.microsoft.com/office/drawing/2010/main" w="9525">
-                <a:solidFill>
-                  <a:srgbClr val="000000"/>
-                </a:solidFill>
-                <a:miter lim="800000"/>
-                <a:headEnd/>
-                <a:tailEnd/>
-              </a14:hiddenLine>
-            </a:ext>
-            <a:ext uri="{AF507438-7753-43E0-B8FC-AC1667EBCBE1}">
-              <a14:hiddenEffects xmlns:a14="http://schemas.microsoft.com/office/drawing/2010/main">
-                <a:effectLst>
-                  <a:outerShdw dist="35921" dir="2700000" algn="ctr" rotWithShape="0">
-                    <a:srgbClr val="808080"/>
-                  </a:outerShdw>
-                </a:effectLst>
-              </a14:hiddenEffects>
-            </a:ext>
-          </a:extLst>
-        </p:spPr>
-      </p:pic>
       <p:sp>
         <p:nvSpPr>
           <p:cNvPr id="3075" name="Title 1">
@@ -10396,72 +9898,12 @@
           <a:chExt cx="0" cy="0"/>
         </a:xfrm>
       </p:grpSpPr>
-      <p:pic>
-        <p:nvPicPr>
-          <p:cNvPr id="8194" name="Picture 2" descr="D:\work\CSDN学院ppt\5.jpg">
-            <a:extLst>
-              <a:ext uri="{FF2B5EF4-FFF2-40B4-BE49-F238E27FC236}">
-                <a16:creationId xmlns:a16="http://schemas.microsoft.com/office/drawing/2014/main" id="{B8DC438E-25CF-4B61-AB39-F4056CC90CF9}"/>
-              </a:ext>
-            </a:extLst>
-          </p:cNvPr>
-          <p:cNvPicPr>
-            <a:picLocks noChangeAspect="1" noChangeArrowheads="1"/>
-          </p:cNvPicPr>
-          <p:nvPr/>
-        </p:nvPicPr>
-        <p:blipFill>
-          <a:blip r:embed="rId2">
-            <a:extLst>
-              <a:ext uri="{28A0092B-C50C-407E-A947-70E740481C1C}">
-                <a14:useLocalDpi xmlns:a14="http://schemas.microsoft.com/office/drawing/2010/main" val="0"/>
-              </a:ext>
-            </a:extLst>
-          </a:blip>
-          <a:srcRect/>
-          <a:stretch>
-            <a:fillRect/>
-          </a:stretch>
-        </p:blipFill>
-        <p:spPr bwMode="auto">
-          <a:xfrm>
-            <a:off x="0" y="0"/>
-            <a:ext cx="9140825" cy="5141913"/>
-          </a:xfrm>
-          <a:prstGeom prst="rect">
-            <a:avLst/>
-          </a:prstGeom>
-          <a:noFill/>
-          <a:ln>
-            <a:noFill/>
-          </a:ln>
-          <a:extLst>
-            <a:ext uri="{909E8E84-426E-40DD-AFC4-6F175D3DCCD1}">
-              <a14:hiddenFill xmlns:a14="http://schemas.microsoft.com/office/drawing/2010/main">
-                <a:solidFill>
-                  <a:srgbClr val="FFFFFF"/>
-                </a:solidFill>
-              </a14:hiddenFill>
-            </a:ext>
-            <a:ext uri="{91240B29-F687-4F45-9708-019B960494DF}">
-              <a14:hiddenLine xmlns:a14="http://schemas.microsoft.com/office/drawing/2010/main" w="9525">
-                <a:solidFill>
-                  <a:srgbClr val="000000"/>
-                </a:solidFill>
-                <a:miter lim="800000"/>
-                <a:headEnd/>
-                <a:tailEnd/>
-              </a14:hiddenLine>
-            </a:ext>
-          </a:extLst>
-        </p:spPr>
-      </p:pic>
       <p:sp>
         <p:nvSpPr>
           <p:cNvPr id="8195" name="Title 1">
             <a:extLst>
               <a:ext uri="{FF2B5EF4-FFF2-40B4-BE49-F238E27FC236}">
-                <a16:creationId xmlns:a16="http://schemas.microsoft.com/office/drawing/2014/main" id="{286BEDC2-5DE8-461F-A660-C112CAD8CFF7}"/>
+                <a16:creationId xmlns:a16="http://schemas.microsoft.com/office/drawing/2014/main" id="{94DB3CD8-71FB-4967-8D16-B8CA33DD3B35}"/>
               </a:ext>
             </a:extLst>
           </p:cNvPr>
@@ -10646,778 +10088,10 @@
       </p:sp>
       <p:sp>
         <p:nvSpPr>
-          <p:cNvPr id="8196" name="矩形 3">
-            <a:extLst>
-              <a:ext uri="{FF2B5EF4-FFF2-40B4-BE49-F238E27FC236}">
-                <a16:creationId xmlns:a16="http://schemas.microsoft.com/office/drawing/2014/main" id="{85FF1B7D-5D11-4B34-8C6E-311CF7F0C97C}"/>
-              </a:ext>
-            </a:extLst>
-          </p:cNvPr>
-          <p:cNvSpPr>
-            <a:spLocks noChangeArrowheads="1"/>
-          </p:cNvSpPr>
-          <p:nvPr/>
-        </p:nvSpPr>
-        <p:spPr bwMode="auto">
-          <a:xfrm>
-            <a:off x="4357688" y="3019425"/>
-            <a:ext cx="2662237" cy="923925"/>
-          </a:xfrm>
-          <a:prstGeom prst="rect">
-            <a:avLst/>
-          </a:prstGeom>
-          <a:noFill/>
-          <a:ln>
-            <a:noFill/>
-          </a:ln>
-          <a:extLst>
-            <a:ext uri="{909E8E84-426E-40DD-AFC4-6F175D3DCCD1}">
-              <a14:hiddenFill xmlns:a14="http://schemas.microsoft.com/office/drawing/2010/main">
-                <a:solidFill>
-                  <a:srgbClr val="FFFFFF"/>
-                </a:solidFill>
-              </a14:hiddenFill>
-            </a:ext>
-            <a:ext uri="{91240B29-F687-4F45-9708-019B960494DF}">
-              <a14:hiddenLine xmlns:a14="http://schemas.microsoft.com/office/drawing/2010/main" w="9525">
-                <a:solidFill>
-                  <a:srgbClr val="000000"/>
-                </a:solidFill>
-                <a:miter lim="800000"/>
-                <a:headEnd/>
-                <a:tailEnd/>
-              </a14:hiddenLine>
-            </a:ext>
-          </a:extLst>
-        </p:spPr>
-        <p:txBody>
-          <a:bodyPr>
-            <a:spAutoFit/>
-          </a:bodyPr>
-          <a:lstStyle>
-            <a:lvl1pPr>
-              <a:buFont typeface="Arial" panose="020B0604020202020204" pitchFamily="34" charset="0"/>
-              <a:defRPr>
-                <a:solidFill>
-                  <a:schemeClr val="tx1"/>
-                </a:solidFill>
-                <a:latin typeface="Arial" panose="020B0604020202020204" pitchFamily="34" charset="0"/>
-                <a:ea typeface="宋体" panose="02010600030101010101" pitchFamily="2" charset="-122"/>
-              </a:defRPr>
-            </a:lvl1pPr>
-            <a:lvl2pPr marL="742950" indent="-285750">
-              <a:buFont typeface="Arial" panose="020B0604020202020204" pitchFamily="34" charset="0"/>
-              <a:defRPr>
-                <a:solidFill>
-                  <a:schemeClr val="tx1"/>
-                </a:solidFill>
-                <a:latin typeface="Arial" panose="020B0604020202020204" pitchFamily="34" charset="0"/>
-                <a:ea typeface="宋体" panose="02010600030101010101" pitchFamily="2" charset="-122"/>
-              </a:defRPr>
-            </a:lvl2pPr>
-            <a:lvl3pPr marL="1143000" indent="-228600">
-              <a:buFont typeface="Arial" panose="020B0604020202020204" pitchFamily="34" charset="0"/>
-              <a:defRPr>
-                <a:solidFill>
-                  <a:schemeClr val="tx1"/>
-                </a:solidFill>
-                <a:latin typeface="Arial" panose="020B0604020202020204" pitchFamily="34" charset="0"/>
-                <a:ea typeface="宋体" panose="02010600030101010101" pitchFamily="2" charset="-122"/>
-              </a:defRPr>
-            </a:lvl3pPr>
-            <a:lvl4pPr marL="1600200" indent="-228600">
-              <a:buFont typeface="Arial" panose="020B0604020202020204" pitchFamily="34" charset="0"/>
-              <a:defRPr>
-                <a:solidFill>
-                  <a:schemeClr val="tx1"/>
-                </a:solidFill>
-                <a:latin typeface="Arial" panose="020B0604020202020204" pitchFamily="34" charset="0"/>
-                <a:ea typeface="宋体" panose="02010600030101010101" pitchFamily="2" charset="-122"/>
-              </a:defRPr>
-            </a:lvl4pPr>
-            <a:lvl5pPr marL="2057400" indent="-228600">
-              <a:buFont typeface="Arial" panose="020B0604020202020204" pitchFamily="34" charset="0"/>
-              <a:defRPr>
-                <a:solidFill>
-                  <a:schemeClr val="tx1"/>
-                </a:solidFill>
-                <a:latin typeface="Arial" panose="020B0604020202020204" pitchFamily="34" charset="0"/>
-                <a:ea typeface="宋体" panose="02010600030101010101" pitchFamily="2" charset="-122"/>
-              </a:defRPr>
-            </a:lvl5pPr>
-            <a:lvl6pPr marL="2514600" indent="-228600" eaLnBrk="0" fontAlgn="base" hangingPunct="0">
-              <a:spcBef>
-                <a:spcPct val="0"/>
-              </a:spcBef>
-              <a:spcAft>
-                <a:spcPct val="0"/>
-              </a:spcAft>
-              <a:buFont typeface="Arial" panose="020B0604020202020204" pitchFamily="34" charset="0"/>
-              <a:defRPr>
-                <a:solidFill>
-                  <a:schemeClr val="tx1"/>
-                </a:solidFill>
-                <a:latin typeface="Arial" panose="020B0604020202020204" pitchFamily="34" charset="0"/>
-                <a:ea typeface="宋体" panose="02010600030101010101" pitchFamily="2" charset="-122"/>
-              </a:defRPr>
-            </a:lvl6pPr>
-            <a:lvl7pPr marL="2971800" indent="-228600" eaLnBrk="0" fontAlgn="base" hangingPunct="0">
-              <a:spcBef>
-                <a:spcPct val="0"/>
-              </a:spcBef>
-              <a:spcAft>
-                <a:spcPct val="0"/>
-              </a:spcAft>
-              <a:buFont typeface="Arial" panose="020B0604020202020204" pitchFamily="34" charset="0"/>
-              <a:defRPr>
-                <a:solidFill>
-                  <a:schemeClr val="tx1"/>
-                </a:solidFill>
-                <a:latin typeface="Arial" panose="020B0604020202020204" pitchFamily="34" charset="0"/>
-                <a:ea typeface="宋体" panose="02010600030101010101" pitchFamily="2" charset="-122"/>
-              </a:defRPr>
-            </a:lvl7pPr>
-            <a:lvl8pPr marL="3429000" indent="-228600" eaLnBrk="0" fontAlgn="base" hangingPunct="0">
-              <a:spcBef>
-                <a:spcPct val="0"/>
-              </a:spcBef>
-              <a:spcAft>
-                <a:spcPct val="0"/>
-              </a:spcAft>
-              <a:buFont typeface="Arial" panose="020B0604020202020204" pitchFamily="34" charset="0"/>
-              <a:defRPr>
-                <a:solidFill>
-                  <a:schemeClr val="tx1"/>
-                </a:solidFill>
-                <a:latin typeface="Arial" panose="020B0604020202020204" pitchFamily="34" charset="0"/>
-                <a:ea typeface="宋体" panose="02010600030101010101" pitchFamily="2" charset="-122"/>
-              </a:defRPr>
-            </a:lvl8pPr>
-            <a:lvl9pPr marL="3886200" indent="-228600" eaLnBrk="0" fontAlgn="base" hangingPunct="0">
-              <a:spcBef>
-                <a:spcPct val="0"/>
-              </a:spcBef>
-              <a:spcAft>
-                <a:spcPct val="0"/>
-              </a:spcAft>
-              <a:buFont typeface="Arial" panose="020B0604020202020204" pitchFamily="34" charset="0"/>
-              <a:defRPr>
-                <a:solidFill>
-                  <a:schemeClr val="tx1"/>
-                </a:solidFill>
-                <a:latin typeface="Arial" panose="020B0604020202020204" pitchFamily="34" charset="0"/>
-                <a:ea typeface="宋体" panose="02010600030101010101" pitchFamily="2" charset="-122"/>
-              </a:defRPr>
-            </a:lvl9pPr>
-          </a:lstStyle>
-          <a:p>
-            <a:pPr eaLnBrk="1" hangingPunct="1"/>
-            <a:r>
-              <a:rPr lang="en-US" altLang="zh-CN" sz="900">
-                <a:solidFill>
-                  <a:srgbClr val="7F7F7F"/>
-                </a:solidFill>
-                <a:latin typeface="微软雅黑" panose="020B0503020204020204" pitchFamily="34" charset="-122"/>
-                <a:ea typeface="微软雅黑" panose="020B0503020204020204" pitchFamily="34" charset="-122"/>
-                <a:sym typeface="微软雅黑" panose="020B0503020204020204" pitchFamily="34" charset="-122"/>
-              </a:rPr>
-              <a:t>CSDN</a:t>
-            </a:r>
-            <a:r>
-              <a:rPr lang="zh-CN" altLang="en-US" sz="900">
-                <a:solidFill>
-                  <a:srgbClr val="7F7F7F"/>
-                </a:solidFill>
-                <a:latin typeface="微软雅黑" panose="020B0503020204020204" pitchFamily="34" charset="-122"/>
-                <a:ea typeface="微软雅黑" panose="020B0503020204020204" pitchFamily="34" charset="-122"/>
-                <a:sym typeface="微软雅黑" panose="020B0503020204020204" pitchFamily="34" charset="-122"/>
-              </a:rPr>
-              <a:t>网站：</a:t>
-            </a:r>
-            <a:r>
-              <a:rPr lang="en-US" altLang="zh-CN" sz="900">
-                <a:solidFill>
-                  <a:srgbClr val="7F7F7F"/>
-                </a:solidFill>
-                <a:latin typeface="微软雅黑" panose="020B0503020204020204" pitchFamily="34" charset="-122"/>
-                <a:ea typeface="微软雅黑" panose="020B0503020204020204" pitchFamily="34" charset="-122"/>
-                <a:sym typeface="微软雅黑" panose="020B0503020204020204" pitchFamily="34" charset="-122"/>
-              </a:rPr>
-              <a:t>www.csdn.net</a:t>
-            </a:r>
-            <a:endParaRPr lang="zh-CN" altLang="en-US" sz="900">
-              <a:solidFill>
-                <a:srgbClr val="7F7F7F"/>
-              </a:solidFill>
-              <a:latin typeface="微软雅黑" panose="020B0503020204020204" pitchFamily="34" charset="-122"/>
-              <a:ea typeface="微软雅黑" panose="020B0503020204020204" pitchFamily="34" charset="-122"/>
-              <a:sym typeface="微软雅黑" panose="020B0503020204020204" pitchFamily="34" charset="-122"/>
-            </a:endParaRPr>
-          </a:p>
-          <a:p>
-            <a:pPr eaLnBrk="1" hangingPunct="1"/>
-            <a:r>
-              <a:rPr lang="zh-CN" altLang="en-US" sz="900">
-                <a:solidFill>
-                  <a:srgbClr val="7F7F7F"/>
-                </a:solidFill>
-                <a:latin typeface="微软雅黑" panose="020B0503020204020204" pitchFamily="34" charset="-122"/>
-                <a:ea typeface="微软雅黑" panose="020B0503020204020204" pitchFamily="34" charset="-122"/>
-                <a:sym typeface="微软雅黑" panose="020B0503020204020204" pitchFamily="34" charset="-122"/>
-              </a:rPr>
-              <a:t>企业服务：</a:t>
-            </a:r>
-            <a:r>
-              <a:rPr lang="en-US" altLang="zh-CN" sz="900">
-                <a:solidFill>
-                  <a:srgbClr val="7F7F7F"/>
-                </a:solidFill>
-                <a:latin typeface="微软雅黑" panose="020B0503020204020204" pitchFamily="34" charset="-122"/>
-                <a:ea typeface="微软雅黑" panose="020B0503020204020204" pitchFamily="34" charset="-122"/>
-                <a:sym typeface="微软雅黑" panose="020B0503020204020204" pitchFamily="34" charset="-122"/>
-              </a:rPr>
-              <a:t>http://ems.csdn.net/</a:t>
-            </a:r>
-            <a:endParaRPr lang="zh-CN" altLang="en-US" sz="900">
-              <a:solidFill>
-                <a:srgbClr val="7F7F7F"/>
-              </a:solidFill>
-              <a:latin typeface="微软雅黑" panose="020B0503020204020204" pitchFamily="34" charset="-122"/>
-              <a:ea typeface="微软雅黑" panose="020B0503020204020204" pitchFamily="34" charset="-122"/>
-              <a:sym typeface="微软雅黑" panose="020B0503020204020204" pitchFamily="34" charset="-122"/>
-            </a:endParaRPr>
-          </a:p>
-          <a:p>
-            <a:pPr eaLnBrk="1" hangingPunct="1"/>
-            <a:r>
-              <a:rPr lang="zh-CN" altLang="en-US" sz="900">
-                <a:solidFill>
-                  <a:srgbClr val="7F7F7F"/>
-                </a:solidFill>
-                <a:latin typeface="微软雅黑" panose="020B0503020204020204" pitchFamily="34" charset="-122"/>
-                <a:ea typeface="微软雅黑" panose="020B0503020204020204" pitchFamily="34" charset="-122"/>
-                <a:sym typeface="微软雅黑" panose="020B0503020204020204" pitchFamily="34" charset="-122"/>
-              </a:rPr>
-              <a:t>人才服务：</a:t>
-            </a:r>
-            <a:r>
-              <a:rPr lang="en-US" altLang="zh-CN" sz="900">
-                <a:solidFill>
-                  <a:srgbClr val="7F7F7F"/>
-                </a:solidFill>
-                <a:latin typeface="微软雅黑" panose="020B0503020204020204" pitchFamily="34" charset="-122"/>
-                <a:ea typeface="微软雅黑" panose="020B0503020204020204" pitchFamily="34" charset="-122"/>
-                <a:sym typeface="微软雅黑" panose="020B0503020204020204" pitchFamily="34" charset="-122"/>
-              </a:rPr>
-              <a:t>http://job.csdn.net/</a:t>
-            </a:r>
-            <a:endParaRPr lang="zh-CN" altLang="en-US" sz="900">
-              <a:solidFill>
-                <a:srgbClr val="7F7F7F"/>
-              </a:solidFill>
-              <a:latin typeface="微软雅黑" panose="020B0503020204020204" pitchFamily="34" charset="-122"/>
-              <a:ea typeface="微软雅黑" panose="020B0503020204020204" pitchFamily="34" charset="-122"/>
-              <a:sym typeface="微软雅黑" panose="020B0503020204020204" pitchFamily="34" charset="-122"/>
-            </a:endParaRPr>
-          </a:p>
-          <a:p>
-            <a:pPr eaLnBrk="1" hangingPunct="1"/>
-            <a:r>
-              <a:rPr lang="en-US" altLang="zh-CN" sz="900">
-                <a:solidFill>
-                  <a:srgbClr val="7F7F7F"/>
-                </a:solidFill>
-                <a:latin typeface="微软雅黑" panose="020B0503020204020204" pitchFamily="34" charset="-122"/>
-                <a:ea typeface="微软雅黑" panose="020B0503020204020204" pitchFamily="34" charset="-122"/>
-                <a:sym typeface="微软雅黑" panose="020B0503020204020204" pitchFamily="34" charset="-122"/>
-              </a:rPr>
-              <a:t>CTO</a:t>
-            </a:r>
-            <a:r>
-              <a:rPr lang="zh-CN" altLang="en-US" sz="900">
-                <a:solidFill>
-                  <a:srgbClr val="7F7F7F"/>
-                </a:solidFill>
-                <a:latin typeface="微软雅黑" panose="020B0503020204020204" pitchFamily="34" charset="-122"/>
-                <a:ea typeface="微软雅黑" panose="020B0503020204020204" pitchFamily="34" charset="-122"/>
-                <a:sym typeface="微软雅黑" panose="020B0503020204020204" pitchFamily="34" charset="-122"/>
-              </a:rPr>
-              <a:t>俱乐部：</a:t>
-            </a:r>
-            <a:r>
-              <a:rPr lang="en-US" altLang="zh-CN" sz="900">
-                <a:solidFill>
-                  <a:srgbClr val="7F7F7F"/>
-                </a:solidFill>
-                <a:latin typeface="微软雅黑" panose="020B0503020204020204" pitchFamily="34" charset="-122"/>
-                <a:ea typeface="微软雅黑" panose="020B0503020204020204" pitchFamily="34" charset="-122"/>
-                <a:sym typeface="微软雅黑" panose="020B0503020204020204" pitchFamily="34" charset="-122"/>
-              </a:rPr>
-              <a:t>http://cto.csdn.net/</a:t>
-            </a:r>
-            <a:endParaRPr lang="zh-CN" altLang="en-US" sz="900">
-              <a:solidFill>
-                <a:srgbClr val="7F7F7F"/>
-              </a:solidFill>
-              <a:latin typeface="微软雅黑" panose="020B0503020204020204" pitchFamily="34" charset="-122"/>
-              <a:ea typeface="微软雅黑" panose="020B0503020204020204" pitchFamily="34" charset="-122"/>
-              <a:sym typeface="微软雅黑" panose="020B0503020204020204" pitchFamily="34" charset="-122"/>
-            </a:endParaRPr>
-          </a:p>
-          <a:p>
-            <a:pPr eaLnBrk="1" hangingPunct="1"/>
-            <a:r>
-              <a:rPr lang="zh-CN" altLang="en-US" sz="900">
-                <a:solidFill>
-                  <a:srgbClr val="7F7F7F"/>
-                </a:solidFill>
-                <a:latin typeface="微软雅黑" panose="020B0503020204020204" pitchFamily="34" charset="-122"/>
-                <a:ea typeface="微软雅黑" panose="020B0503020204020204" pitchFamily="34" charset="-122"/>
-                <a:sym typeface="微软雅黑" panose="020B0503020204020204" pitchFamily="34" charset="-122"/>
-              </a:rPr>
-              <a:t>高校俱乐部：</a:t>
-            </a:r>
-            <a:r>
-              <a:rPr lang="en-US" altLang="zh-CN" sz="900">
-                <a:solidFill>
-                  <a:srgbClr val="7F7F7F"/>
-                </a:solidFill>
-                <a:latin typeface="微软雅黑" panose="020B0503020204020204" pitchFamily="34" charset="-122"/>
-                <a:ea typeface="微软雅黑" panose="020B0503020204020204" pitchFamily="34" charset="-122"/>
-                <a:sym typeface="微软雅黑" panose="020B0503020204020204" pitchFamily="34" charset="-122"/>
-              </a:rPr>
-              <a:t>http://student.csdn.net/</a:t>
-            </a:r>
-            <a:endParaRPr lang="zh-CN" altLang="en-US" sz="900">
-              <a:solidFill>
-                <a:srgbClr val="7F7F7F"/>
-              </a:solidFill>
-              <a:latin typeface="微软雅黑" panose="020B0503020204020204" pitchFamily="34" charset="-122"/>
-              <a:ea typeface="微软雅黑" panose="020B0503020204020204" pitchFamily="34" charset="-122"/>
-              <a:sym typeface="微软雅黑" panose="020B0503020204020204" pitchFamily="34" charset="-122"/>
-            </a:endParaRPr>
-          </a:p>
-          <a:p>
-            <a:pPr eaLnBrk="1" hangingPunct="1"/>
-            <a:r>
-              <a:rPr lang="zh-CN" altLang="en-US" sz="900">
-                <a:solidFill>
-                  <a:srgbClr val="7F7F7F"/>
-                </a:solidFill>
-                <a:latin typeface="微软雅黑" panose="020B0503020204020204" pitchFamily="34" charset="-122"/>
-                <a:ea typeface="微软雅黑" panose="020B0503020204020204" pitchFamily="34" charset="-122"/>
-                <a:sym typeface="微软雅黑" panose="020B0503020204020204" pitchFamily="34" charset="-122"/>
-              </a:rPr>
-              <a:t>程序员杂志：</a:t>
-            </a:r>
-            <a:r>
-              <a:rPr lang="en-US" altLang="zh-CN" sz="900">
-                <a:solidFill>
-                  <a:srgbClr val="7F7F7F"/>
-                </a:solidFill>
-                <a:latin typeface="微软雅黑" panose="020B0503020204020204" pitchFamily="34" charset="-122"/>
-                <a:ea typeface="微软雅黑" panose="020B0503020204020204" pitchFamily="34" charset="-122"/>
-                <a:sym typeface="微软雅黑" panose="020B0503020204020204" pitchFamily="34" charset="-122"/>
-              </a:rPr>
-              <a:t>http://programmer.csdn.net/</a:t>
-            </a:r>
-          </a:p>
-        </p:txBody>
-      </p:sp>
-      <p:sp>
-        <p:nvSpPr>
-          <p:cNvPr id="8197" name="矩形 4">
-            <a:extLst>
-              <a:ext uri="{FF2B5EF4-FFF2-40B4-BE49-F238E27FC236}">
-                <a16:creationId xmlns:a16="http://schemas.microsoft.com/office/drawing/2014/main" id="{913E705F-1AF2-4C10-BCBE-C98DAC143122}"/>
-              </a:ext>
-            </a:extLst>
-          </p:cNvPr>
-          <p:cNvSpPr>
-            <a:spLocks noChangeArrowheads="1"/>
-          </p:cNvSpPr>
-          <p:nvPr/>
-        </p:nvSpPr>
-        <p:spPr bwMode="auto">
-          <a:xfrm>
-            <a:off x="4368800" y="3952875"/>
-            <a:ext cx="4572000" cy="923925"/>
-          </a:xfrm>
-          <a:prstGeom prst="rect">
-            <a:avLst/>
-          </a:prstGeom>
-          <a:noFill/>
-          <a:ln>
-            <a:noFill/>
-          </a:ln>
-          <a:extLst>
-            <a:ext uri="{909E8E84-426E-40DD-AFC4-6F175D3DCCD1}">
-              <a14:hiddenFill xmlns:a14="http://schemas.microsoft.com/office/drawing/2010/main">
-                <a:solidFill>
-                  <a:srgbClr val="FFFFFF"/>
-                </a:solidFill>
-              </a14:hiddenFill>
-            </a:ext>
-            <a:ext uri="{91240B29-F687-4F45-9708-019B960494DF}">
-              <a14:hiddenLine xmlns:a14="http://schemas.microsoft.com/office/drawing/2010/main" w="9525">
-                <a:solidFill>
-                  <a:srgbClr val="000000"/>
-                </a:solidFill>
-                <a:miter lim="800000"/>
-                <a:headEnd/>
-                <a:tailEnd/>
-              </a14:hiddenLine>
-            </a:ext>
-          </a:extLst>
-        </p:spPr>
-        <p:txBody>
-          <a:bodyPr>
-            <a:spAutoFit/>
-          </a:bodyPr>
-          <a:lstStyle>
-            <a:lvl1pPr>
-              <a:buFont typeface="Arial" panose="020B0604020202020204" pitchFamily="34" charset="0"/>
-              <a:defRPr>
-                <a:solidFill>
-                  <a:schemeClr val="tx1"/>
-                </a:solidFill>
-                <a:latin typeface="Arial" panose="020B0604020202020204" pitchFamily="34" charset="0"/>
-                <a:ea typeface="宋体" panose="02010600030101010101" pitchFamily="2" charset="-122"/>
-              </a:defRPr>
-            </a:lvl1pPr>
-            <a:lvl2pPr marL="742950" indent="-285750">
-              <a:buFont typeface="Arial" panose="020B0604020202020204" pitchFamily="34" charset="0"/>
-              <a:defRPr>
-                <a:solidFill>
-                  <a:schemeClr val="tx1"/>
-                </a:solidFill>
-                <a:latin typeface="Arial" panose="020B0604020202020204" pitchFamily="34" charset="0"/>
-                <a:ea typeface="宋体" panose="02010600030101010101" pitchFamily="2" charset="-122"/>
-              </a:defRPr>
-            </a:lvl2pPr>
-            <a:lvl3pPr marL="1143000" indent="-228600">
-              <a:buFont typeface="Arial" panose="020B0604020202020204" pitchFamily="34" charset="0"/>
-              <a:defRPr>
-                <a:solidFill>
-                  <a:schemeClr val="tx1"/>
-                </a:solidFill>
-                <a:latin typeface="Arial" panose="020B0604020202020204" pitchFamily="34" charset="0"/>
-                <a:ea typeface="宋体" panose="02010600030101010101" pitchFamily="2" charset="-122"/>
-              </a:defRPr>
-            </a:lvl3pPr>
-            <a:lvl4pPr marL="1600200" indent="-228600">
-              <a:buFont typeface="Arial" panose="020B0604020202020204" pitchFamily="34" charset="0"/>
-              <a:defRPr>
-                <a:solidFill>
-                  <a:schemeClr val="tx1"/>
-                </a:solidFill>
-                <a:latin typeface="Arial" panose="020B0604020202020204" pitchFamily="34" charset="0"/>
-                <a:ea typeface="宋体" panose="02010600030101010101" pitchFamily="2" charset="-122"/>
-              </a:defRPr>
-            </a:lvl4pPr>
-            <a:lvl5pPr marL="2057400" indent="-228600">
-              <a:buFont typeface="Arial" panose="020B0604020202020204" pitchFamily="34" charset="0"/>
-              <a:defRPr>
-                <a:solidFill>
-                  <a:schemeClr val="tx1"/>
-                </a:solidFill>
-                <a:latin typeface="Arial" panose="020B0604020202020204" pitchFamily="34" charset="0"/>
-                <a:ea typeface="宋体" panose="02010600030101010101" pitchFamily="2" charset="-122"/>
-              </a:defRPr>
-            </a:lvl5pPr>
-            <a:lvl6pPr marL="2514600" indent="-228600" eaLnBrk="0" fontAlgn="base" hangingPunct="0">
-              <a:spcBef>
-                <a:spcPct val="0"/>
-              </a:spcBef>
-              <a:spcAft>
-                <a:spcPct val="0"/>
-              </a:spcAft>
-              <a:buFont typeface="Arial" panose="020B0604020202020204" pitchFamily="34" charset="0"/>
-              <a:defRPr>
-                <a:solidFill>
-                  <a:schemeClr val="tx1"/>
-                </a:solidFill>
-                <a:latin typeface="Arial" panose="020B0604020202020204" pitchFamily="34" charset="0"/>
-                <a:ea typeface="宋体" panose="02010600030101010101" pitchFamily="2" charset="-122"/>
-              </a:defRPr>
-            </a:lvl6pPr>
-            <a:lvl7pPr marL="2971800" indent="-228600" eaLnBrk="0" fontAlgn="base" hangingPunct="0">
-              <a:spcBef>
-                <a:spcPct val="0"/>
-              </a:spcBef>
-              <a:spcAft>
-                <a:spcPct val="0"/>
-              </a:spcAft>
-              <a:buFont typeface="Arial" panose="020B0604020202020204" pitchFamily="34" charset="0"/>
-              <a:defRPr>
-                <a:solidFill>
-                  <a:schemeClr val="tx1"/>
-                </a:solidFill>
-                <a:latin typeface="Arial" panose="020B0604020202020204" pitchFamily="34" charset="0"/>
-                <a:ea typeface="宋体" panose="02010600030101010101" pitchFamily="2" charset="-122"/>
-              </a:defRPr>
-            </a:lvl7pPr>
-            <a:lvl8pPr marL="3429000" indent="-228600" eaLnBrk="0" fontAlgn="base" hangingPunct="0">
-              <a:spcBef>
-                <a:spcPct val="0"/>
-              </a:spcBef>
-              <a:spcAft>
-                <a:spcPct val="0"/>
-              </a:spcAft>
-              <a:buFont typeface="Arial" panose="020B0604020202020204" pitchFamily="34" charset="0"/>
-              <a:defRPr>
-                <a:solidFill>
-                  <a:schemeClr val="tx1"/>
-                </a:solidFill>
-                <a:latin typeface="Arial" panose="020B0604020202020204" pitchFamily="34" charset="0"/>
-                <a:ea typeface="宋体" panose="02010600030101010101" pitchFamily="2" charset="-122"/>
-              </a:defRPr>
-            </a:lvl8pPr>
-            <a:lvl9pPr marL="3886200" indent="-228600" eaLnBrk="0" fontAlgn="base" hangingPunct="0">
-              <a:spcBef>
-                <a:spcPct val="0"/>
-              </a:spcBef>
-              <a:spcAft>
-                <a:spcPct val="0"/>
-              </a:spcAft>
-              <a:buFont typeface="Arial" panose="020B0604020202020204" pitchFamily="34" charset="0"/>
-              <a:defRPr>
-                <a:solidFill>
-                  <a:schemeClr val="tx1"/>
-                </a:solidFill>
-                <a:latin typeface="Arial" panose="020B0604020202020204" pitchFamily="34" charset="0"/>
-                <a:ea typeface="宋体" panose="02010600030101010101" pitchFamily="2" charset="-122"/>
-              </a:defRPr>
-            </a:lvl9pPr>
-          </a:lstStyle>
-          <a:p>
-            <a:pPr eaLnBrk="1" hangingPunct="1"/>
-            <a:r>
-              <a:rPr lang="en-US" altLang="zh-CN" sz="900">
-                <a:solidFill>
-                  <a:srgbClr val="7F7F7F"/>
-                </a:solidFill>
-                <a:latin typeface="微软雅黑" panose="020B0503020204020204" pitchFamily="34" charset="-122"/>
-                <a:ea typeface="微软雅黑" panose="020B0503020204020204" pitchFamily="34" charset="-122"/>
-                <a:sym typeface="微软雅黑" panose="020B0503020204020204" pitchFamily="34" charset="-122"/>
-              </a:rPr>
-              <a:t>CODE</a:t>
-            </a:r>
-            <a:r>
-              <a:rPr lang="zh-CN" altLang="en-US" sz="900">
-                <a:solidFill>
-                  <a:srgbClr val="7F7F7F"/>
-                </a:solidFill>
-                <a:latin typeface="微软雅黑" panose="020B0503020204020204" pitchFamily="34" charset="-122"/>
-                <a:ea typeface="微软雅黑" panose="020B0503020204020204" pitchFamily="34" charset="-122"/>
-                <a:sym typeface="微软雅黑" panose="020B0503020204020204" pitchFamily="34" charset="-122"/>
-              </a:rPr>
-              <a:t>平台：</a:t>
-            </a:r>
-            <a:r>
-              <a:rPr lang="en-US" altLang="zh-CN" sz="900">
-                <a:solidFill>
-                  <a:srgbClr val="7F7F7F"/>
-                </a:solidFill>
-                <a:latin typeface="微软雅黑" panose="020B0503020204020204" pitchFamily="34" charset="-122"/>
-                <a:ea typeface="微软雅黑" panose="020B0503020204020204" pitchFamily="34" charset="-122"/>
-                <a:sym typeface="微软雅黑" panose="020B0503020204020204" pitchFamily="34" charset="-122"/>
-              </a:rPr>
-              <a:t>https://code.csdn.net/</a:t>
-            </a:r>
-            <a:endParaRPr lang="zh-CN" altLang="en-US" sz="900">
-              <a:solidFill>
-                <a:srgbClr val="7F7F7F"/>
-              </a:solidFill>
-              <a:latin typeface="微软雅黑" panose="020B0503020204020204" pitchFamily="34" charset="-122"/>
-              <a:ea typeface="微软雅黑" panose="020B0503020204020204" pitchFamily="34" charset="-122"/>
-              <a:sym typeface="微软雅黑" panose="020B0503020204020204" pitchFamily="34" charset="-122"/>
-            </a:endParaRPr>
-          </a:p>
-          <a:p>
-            <a:pPr eaLnBrk="1" hangingPunct="1"/>
-            <a:r>
-              <a:rPr lang="zh-CN" altLang="en-US" sz="900">
-                <a:solidFill>
-                  <a:srgbClr val="7F7F7F"/>
-                </a:solidFill>
-                <a:latin typeface="微软雅黑" panose="020B0503020204020204" pitchFamily="34" charset="-122"/>
-                <a:ea typeface="微软雅黑" panose="020B0503020204020204" pitchFamily="34" charset="-122"/>
-                <a:sym typeface="微软雅黑" panose="020B0503020204020204" pitchFamily="34" charset="-122"/>
-              </a:rPr>
-              <a:t>项目外包：</a:t>
-            </a:r>
-            <a:r>
-              <a:rPr lang="en-US" altLang="zh-CN" sz="900">
-                <a:solidFill>
-                  <a:srgbClr val="7F7F7F"/>
-                </a:solidFill>
-                <a:latin typeface="微软雅黑" panose="020B0503020204020204" pitchFamily="34" charset="-122"/>
-                <a:ea typeface="微软雅黑" panose="020B0503020204020204" pitchFamily="34" charset="-122"/>
-                <a:sym typeface="微软雅黑" panose="020B0503020204020204" pitchFamily="34" charset="-122"/>
-              </a:rPr>
-              <a:t>http://www.csto.com/</a:t>
-            </a:r>
-            <a:endParaRPr lang="zh-CN" altLang="en-US" sz="900">
-              <a:solidFill>
-                <a:srgbClr val="7F7F7F"/>
-              </a:solidFill>
-              <a:latin typeface="微软雅黑" panose="020B0503020204020204" pitchFamily="34" charset="-122"/>
-              <a:ea typeface="微软雅黑" panose="020B0503020204020204" pitchFamily="34" charset="-122"/>
-              <a:sym typeface="微软雅黑" panose="020B0503020204020204" pitchFamily="34" charset="-122"/>
-            </a:endParaRPr>
-          </a:p>
-          <a:p>
-            <a:pPr eaLnBrk="1" hangingPunct="1"/>
-            <a:r>
-              <a:rPr lang="en-US" altLang="zh-CN" sz="900">
-                <a:solidFill>
-                  <a:srgbClr val="7F7F7F"/>
-                </a:solidFill>
-                <a:latin typeface="微软雅黑" panose="020B0503020204020204" pitchFamily="34" charset="-122"/>
-                <a:ea typeface="微软雅黑" panose="020B0503020204020204" pitchFamily="34" charset="-122"/>
-                <a:sym typeface="微软雅黑" panose="020B0503020204020204" pitchFamily="34" charset="-122"/>
-              </a:rPr>
-              <a:t>CSDN</a:t>
-            </a:r>
-            <a:r>
-              <a:rPr lang="zh-CN" altLang="en-US" sz="900">
-                <a:solidFill>
-                  <a:srgbClr val="7F7F7F"/>
-                </a:solidFill>
-                <a:latin typeface="微软雅黑" panose="020B0503020204020204" pitchFamily="34" charset="-122"/>
-                <a:ea typeface="微软雅黑" panose="020B0503020204020204" pitchFamily="34" charset="-122"/>
-                <a:sym typeface="微软雅黑" panose="020B0503020204020204" pitchFamily="34" charset="-122"/>
-              </a:rPr>
-              <a:t>博客：</a:t>
-            </a:r>
-            <a:r>
-              <a:rPr lang="en-US" altLang="zh-CN" sz="900">
-                <a:solidFill>
-                  <a:srgbClr val="7F7F7F"/>
-                </a:solidFill>
-                <a:latin typeface="微软雅黑" panose="020B0503020204020204" pitchFamily="34" charset="-122"/>
-                <a:ea typeface="微软雅黑" panose="020B0503020204020204" pitchFamily="34" charset="-122"/>
-                <a:sym typeface="微软雅黑" panose="020B0503020204020204" pitchFamily="34" charset="-122"/>
-              </a:rPr>
-              <a:t>http://blog.csdn.net/</a:t>
-            </a:r>
-            <a:endParaRPr lang="zh-CN" altLang="en-US" sz="900">
-              <a:solidFill>
-                <a:srgbClr val="7F7F7F"/>
-              </a:solidFill>
-              <a:latin typeface="微软雅黑" panose="020B0503020204020204" pitchFamily="34" charset="-122"/>
-              <a:ea typeface="微软雅黑" panose="020B0503020204020204" pitchFamily="34" charset="-122"/>
-              <a:sym typeface="微软雅黑" panose="020B0503020204020204" pitchFamily="34" charset="-122"/>
-            </a:endParaRPr>
-          </a:p>
-          <a:p>
-            <a:pPr eaLnBrk="1" hangingPunct="1"/>
-            <a:r>
-              <a:rPr lang="en-US" altLang="zh-CN" sz="900">
-                <a:solidFill>
-                  <a:srgbClr val="7F7F7F"/>
-                </a:solidFill>
-                <a:latin typeface="微软雅黑" panose="020B0503020204020204" pitchFamily="34" charset="-122"/>
-                <a:ea typeface="微软雅黑" panose="020B0503020204020204" pitchFamily="34" charset="-122"/>
-                <a:sym typeface="微软雅黑" panose="020B0503020204020204" pitchFamily="34" charset="-122"/>
-              </a:rPr>
-              <a:t>CSDN</a:t>
-            </a:r>
-            <a:r>
-              <a:rPr lang="zh-CN" altLang="en-US" sz="900">
-                <a:solidFill>
-                  <a:srgbClr val="7F7F7F"/>
-                </a:solidFill>
-                <a:latin typeface="微软雅黑" panose="020B0503020204020204" pitchFamily="34" charset="-122"/>
-                <a:ea typeface="微软雅黑" panose="020B0503020204020204" pitchFamily="34" charset="-122"/>
-                <a:sym typeface="微软雅黑" panose="020B0503020204020204" pitchFamily="34" charset="-122"/>
-              </a:rPr>
-              <a:t>论坛：</a:t>
-            </a:r>
-            <a:r>
-              <a:rPr lang="en-US" altLang="zh-CN" sz="900">
-                <a:solidFill>
-                  <a:srgbClr val="7F7F7F"/>
-                </a:solidFill>
-                <a:latin typeface="微软雅黑" panose="020B0503020204020204" pitchFamily="34" charset="-122"/>
-                <a:ea typeface="微软雅黑" panose="020B0503020204020204" pitchFamily="34" charset="-122"/>
-                <a:sym typeface="微软雅黑" panose="020B0503020204020204" pitchFamily="34" charset="-122"/>
-              </a:rPr>
-              <a:t>http://bbs.csdn.net/</a:t>
-            </a:r>
-            <a:endParaRPr lang="zh-CN" altLang="en-US" sz="900">
-              <a:solidFill>
-                <a:srgbClr val="7F7F7F"/>
-              </a:solidFill>
-              <a:latin typeface="微软雅黑" panose="020B0503020204020204" pitchFamily="34" charset="-122"/>
-              <a:ea typeface="微软雅黑" panose="020B0503020204020204" pitchFamily="34" charset="-122"/>
-              <a:sym typeface="微软雅黑" panose="020B0503020204020204" pitchFamily="34" charset="-122"/>
-            </a:endParaRPr>
-          </a:p>
-          <a:p>
-            <a:pPr eaLnBrk="1" hangingPunct="1"/>
-            <a:r>
-              <a:rPr lang="en-US" altLang="zh-CN" sz="900">
-                <a:solidFill>
-                  <a:srgbClr val="7F7F7F"/>
-                </a:solidFill>
-                <a:latin typeface="微软雅黑" panose="020B0503020204020204" pitchFamily="34" charset="-122"/>
-                <a:ea typeface="微软雅黑" panose="020B0503020204020204" pitchFamily="34" charset="-122"/>
-                <a:sym typeface="微软雅黑" panose="020B0503020204020204" pitchFamily="34" charset="-122"/>
-              </a:rPr>
-              <a:t>CSDN</a:t>
-            </a:r>
-            <a:r>
-              <a:rPr lang="zh-CN" altLang="en-US" sz="900">
-                <a:solidFill>
-                  <a:srgbClr val="7F7F7F"/>
-                </a:solidFill>
-                <a:latin typeface="微软雅黑" panose="020B0503020204020204" pitchFamily="34" charset="-122"/>
-                <a:ea typeface="微软雅黑" panose="020B0503020204020204" pitchFamily="34" charset="-122"/>
-                <a:sym typeface="微软雅黑" panose="020B0503020204020204" pitchFamily="34" charset="-122"/>
-              </a:rPr>
-              <a:t>下载：</a:t>
-            </a:r>
-            <a:r>
-              <a:rPr lang="en-US" altLang="zh-CN" sz="900">
-                <a:solidFill>
-                  <a:srgbClr val="7F7F7F"/>
-                </a:solidFill>
-                <a:latin typeface="微软雅黑" panose="020B0503020204020204" pitchFamily="34" charset="-122"/>
-                <a:ea typeface="微软雅黑" panose="020B0503020204020204" pitchFamily="34" charset="-122"/>
-                <a:sym typeface="微软雅黑" panose="020B0503020204020204" pitchFamily="34" charset="-122"/>
-              </a:rPr>
-              <a:t>http://download.csdn.net/</a:t>
-            </a:r>
-            <a:endParaRPr lang="en-US" altLang="zh-CN" sz="900" b="1">
-              <a:solidFill>
-                <a:srgbClr val="7F7F7F"/>
-              </a:solidFill>
-              <a:latin typeface="微软雅黑" panose="020B0503020204020204" pitchFamily="34" charset="-122"/>
-              <a:ea typeface="微软雅黑" panose="020B0503020204020204" pitchFamily="34" charset="-122"/>
-              <a:sym typeface="微软雅黑" panose="020B0503020204020204" pitchFamily="34" charset="-122"/>
-            </a:endParaRPr>
-          </a:p>
-          <a:p>
-            <a:pPr eaLnBrk="1" hangingPunct="1"/>
-            <a:endParaRPr lang="zh-CN" altLang="en-US" sz="900">
-              <a:solidFill>
-                <a:srgbClr val="7F7F7F"/>
-              </a:solidFill>
-              <a:latin typeface="微软雅黑" panose="020B0503020204020204" pitchFamily="34" charset="-122"/>
-              <a:ea typeface="微软雅黑" panose="020B0503020204020204" pitchFamily="34" charset="-122"/>
-              <a:sym typeface="微软雅黑" panose="020B0503020204020204" pitchFamily="34" charset="-122"/>
-            </a:endParaRPr>
-          </a:p>
-        </p:txBody>
-      </p:sp>
-      <p:sp>
-        <p:nvSpPr>
           <p:cNvPr id="8198" name="文本框 5">
             <a:extLst>
               <a:ext uri="{FF2B5EF4-FFF2-40B4-BE49-F238E27FC236}">
-                <a16:creationId xmlns:a16="http://schemas.microsoft.com/office/drawing/2014/main" id="{F4903B76-B509-412E-8C5B-4CF57CE28EFC}"/>
+                <a16:creationId xmlns:a16="http://schemas.microsoft.com/office/drawing/2014/main" id="{C3033956-A2A9-4D76-84E1-6F53E52FBB80}"/>
               </a:ext>
             </a:extLst>
           </p:cNvPr>
@@ -11613,77 +10287,259 @@
           </a:p>
         </p:txBody>
       </p:sp>
+      <p:sp>
+        <p:nvSpPr>
+          <p:cNvPr id="8" name="矩形 6">
+            <a:extLst>
+              <a:ext uri="{FF2B5EF4-FFF2-40B4-BE49-F238E27FC236}">
+                <a16:creationId xmlns:a16="http://schemas.microsoft.com/office/drawing/2014/main" id="{97019FA3-2921-442A-AC31-53F7EAE1803B}"/>
+              </a:ext>
+            </a:extLst>
+          </p:cNvPr>
+          <p:cNvSpPr>
+            <a:spLocks noChangeArrowheads="1"/>
+          </p:cNvSpPr>
+          <p:nvPr/>
+        </p:nvSpPr>
+        <p:spPr bwMode="auto">
+          <a:xfrm>
+            <a:off x="0" y="4622222"/>
+            <a:ext cx="9144000" cy="538162"/>
+          </a:xfrm>
+          <a:prstGeom prst="rect">
+            <a:avLst/>
+          </a:prstGeom>
+          <a:solidFill>
+            <a:srgbClr val="C00000"/>
+          </a:solidFill>
+          <a:ln>
+            <a:noFill/>
+          </a:ln>
+          <a:extLst>
+            <a:ext uri="{91240B29-F687-4F45-9708-019B960494DF}">
+              <a14:hiddenLine xmlns:a14="http://schemas.microsoft.com/office/drawing/2010/main" w="25400">
+                <a:solidFill>
+                  <a:srgbClr val="395E8A"/>
+                </a:solidFill>
+                <a:bevel/>
+                <a:headEnd/>
+                <a:tailEnd/>
+              </a14:hiddenLine>
+            </a:ext>
+          </a:extLst>
+        </p:spPr>
+        <p:txBody>
+          <a:bodyPr anchor="ctr"/>
+          <a:lstStyle>
+            <a:lvl1pPr>
+              <a:buFont typeface="Arial" panose="020B0604020202020204" pitchFamily="34" charset="0"/>
+              <a:defRPr>
+                <a:solidFill>
+                  <a:schemeClr val="tx1"/>
+                </a:solidFill>
+                <a:latin typeface="Arial" panose="020B0604020202020204" pitchFamily="34" charset="0"/>
+                <a:ea typeface="宋体" panose="02010600030101010101" pitchFamily="2" charset="-122"/>
+              </a:defRPr>
+            </a:lvl1pPr>
+            <a:lvl2pPr marL="742950" indent="-285750">
+              <a:buFont typeface="Arial" panose="020B0604020202020204" pitchFamily="34" charset="0"/>
+              <a:defRPr>
+                <a:solidFill>
+                  <a:schemeClr val="tx1"/>
+                </a:solidFill>
+                <a:latin typeface="Arial" panose="020B0604020202020204" pitchFamily="34" charset="0"/>
+                <a:ea typeface="宋体" panose="02010600030101010101" pitchFamily="2" charset="-122"/>
+              </a:defRPr>
+            </a:lvl2pPr>
+            <a:lvl3pPr marL="1143000" indent="-228600">
+              <a:buFont typeface="Arial" panose="020B0604020202020204" pitchFamily="34" charset="0"/>
+              <a:defRPr>
+                <a:solidFill>
+                  <a:schemeClr val="tx1"/>
+                </a:solidFill>
+                <a:latin typeface="Arial" panose="020B0604020202020204" pitchFamily="34" charset="0"/>
+                <a:ea typeface="宋体" panose="02010600030101010101" pitchFamily="2" charset="-122"/>
+              </a:defRPr>
+            </a:lvl3pPr>
+            <a:lvl4pPr marL="1600200" indent="-228600">
+              <a:buFont typeface="Arial" panose="020B0604020202020204" pitchFamily="34" charset="0"/>
+              <a:defRPr>
+                <a:solidFill>
+                  <a:schemeClr val="tx1"/>
+                </a:solidFill>
+                <a:latin typeface="Arial" panose="020B0604020202020204" pitchFamily="34" charset="0"/>
+                <a:ea typeface="宋体" panose="02010600030101010101" pitchFamily="2" charset="-122"/>
+              </a:defRPr>
+            </a:lvl4pPr>
+            <a:lvl5pPr marL="2057400" indent="-228600">
+              <a:buFont typeface="Arial" panose="020B0604020202020204" pitchFamily="34" charset="0"/>
+              <a:defRPr>
+                <a:solidFill>
+                  <a:schemeClr val="tx1"/>
+                </a:solidFill>
+                <a:latin typeface="Arial" panose="020B0604020202020204" pitchFamily="34" charset="0"/>
+                <a:ea typeface="宋体" panose="02010600030101010101" pitchFamily="2" charset="-122"/>
+              </a:defRPr>
+            </a:lvl5pPr>
+            <a:lvl6pPr marL="2514600" indent="-228600" eaLnBrk="0" fontAlgn="base" hangingPunct="0">
+              <a:spcBef>
+                <a:spcPct val="0"/>
+              </a:spcBef>
+              <a:spcAft>
+                <a:spcPct val="0"/>
+              </a:spcAft>
+              <a:buFont typeface="Arial" panose="020B0604020202020204" pitchFamily="34" charset="0"/>
+              <a:defRPr>
+                <a:solidFill>
+                  <a:schemeClr val="tx1"/>
+                </a:solidFill>
+                <a:latin typeface="Arial" panose="020B0604020202020204" pitchFamily="34" charset="0"/>
+                <a:ea typeface="宋体" panose="02010600030101010101" pitchFamily="2" charset="-122"/>
+              </a:defRPr>
+            </a:lvl6pPr>
+            <a:lvl7pPr marL="2971800" indent="-228600" eaLnBrk="0" fontAlgn="base" hangingPunct="0">
+              <a:spcBef>
+                <a:spcPct val="0"/>
+              </a:spcBef>
+              <a:spcAft>
+                <a:spcPct val="0"/>
+              </a:spcAft>
+              <a:buFont typeface="Arial" panose="020B0604020202020204" pitchFamily="34" charset="0"/>
+              <a:defRPr>
+                <a:solidFill>
+                  <a:schemeClr val="tx1"/>
+                </a:solidFill>
+                <a:latin typeface="Arial" panose="020B0604020202020204" pitchFamily="34" charset="0"/>
+                <a:ea typeface="宋体" panose="02010600030101010101" pitchFamily="2" charset="-122"/>
+              </a:defRPr>
+            </a:lvl7pPr>
+            <a:lvl8pPr marL="3429000" indent="-228600" eaLnBrk="0" fontAlgn="base" hangingPunct="0">
+              <a:spcBef>
+                <a:spcPct val="0"/>
+              </a:spcBef>
+              <a:spcAft>
+                <a:spcPct val="0"/>
+              </a:spcAft>
+              <a:buFont typeface="Arial" panose="020B0604020202020204" pitchFamily="34" charset="0"/>
+              <a:defRPr>
+                <a:solidFill>
+                  <a:schemeClr val="tx1"/>
+                </a:solidFill>
+                <a:latin typeface="Arial" panose="020B0604020202020204" pitchFamily="34" charset="0"/>
+                <a:ea typeface="宋体" panose="02010600030101010101" pitchFamily="2" charset="-122"/>
+              </a:defRPr>
+            </a:lvl8pPr>
+            <a:lvl9pPr marL="3886200" indent="-228600" eaLnBrk="0" fontAlgn="base" hangingPunct="0">
+              <a:spcBef>
+                <a:spcPct val="0"/>
+              </a:spcBef>
+              <a:spcAft>
+                <a:spcPct val="0"/>
+              </a:spcAft>
+              <a:buFont typeface="Arial" panose="020B0604020202020204" pitchFamily="34" charset="0"/>
+              <a:defRPr>
+                <a:solidFill>
+                  <a:schemeClr val="tx1"/>
+                </a:solidFill>
+                <a:latin typeface="Arial" panose="020B0604020202020204" pitchFamily="34" charset="0"/>
+                <a:ea typeface="宋体" panose="02010600030101010101" pitchFamily="2" charset="-122"/>
+              </a:defRPr>
+            </a:lvl9pPr>
+          </a:lstStyle>
+          <a:p>
+            <a:pPr algn="ctr" eaLnBrk="1" hangingPunct="1"/>
+            <a:endParaRPr lang="zh-CN" altLang="zh-CN">
+              <a:solidFill>
+                <a:srgbClr val="FFFFFF"/>
+              </a:solidFill>
+              <a:latin typeface="宋体" panose="02010600030101010101" pitchFamily="2" charset="-122"/>
+              <a:sym typeface="宋体" panose="02010600030101010101" pitchFamily="2" charset="-122"/>
+            </a:endParaRPr>
+          </a:p>
+        </p:txBody>
+      </p:sp>
       <p:pic>
         <p:nvPicPr>
-          <p:cNvPr id="8199" name="Picture 2">
+          <p:cNvPr id="9" name="图片 8">
             <a:extLst>
               <a:ext uri="{FF2B5EF4-FFF2-40B4-BE49-F238E27FC236}">
-                <a16:creationId xmlns:a16="http://schemas.microsoft.com/office/drawing/2014/main" id="{7138A236-EAA8-4EA2-B044-6E8ECF6046B7}"/>
+                <a16:creationId xmlns:a16="http://schemas.microsoft.com/office/drawing/2014/main" id="{20998B28-A189-4803-A242-B5394D19D896}"/>
               </a:ext>
             </a:extLst>
           </p:cNvPr>
           <p:cNvPicPr>
-            <a:picLocks noChangeAspect="1" noChangeArrowheads="1"/>
+            <a:picLocks noChangeAspect="1"/>
           </p:cNvPicPr>
           <p:nvPr/>
         </p:nvPicPr>
         <p:blipFill>
-          <a:blip r:embed="rId3">
+          <a:blip r:embed="rId2">
             <a:extLst>
               <a:ext uri="{28A0092B-C50C-407E-A947-70E740481C1C}">
                 <a14:useLocalDpi xmlns:a14="http://schemas.microsoft.com/office/drawing/2010/main" val="0"/>
               </a:ext>
             </a:extLst>
           </a:blip>
-          <a:srcRect/>
           <a:stretch>
             <a:fillRect/>
           </a:stretch>
         </p:blipFill>
-        <p:spPr bwMode="auto">
+        <p:spPr>
           <a:xfrm>
-            <a:off x="107950" y="123825"/>
-            <a:ext cx="1296988" cy="539750"/>
+            <a:off x="251641" y="267559"/>
+            <a:ext cx="3379278" cy="4173683"/>
           </a:xfrm>
           <a:prstGeom prst="rect">
             <a:avLst/>
           </a:prstGeom>
-          <a:noFill/>
-          <a:ln>
-            <a:noFill/>
-          </a:ln>
-          <a:effectLst/>
-          <a:extLst>
-            <a:ext uri="{909E8E84-426E-40DD-AFC4-6F175D3DCCD1}">
-              <a14:hiddenFill xmlns:a14="http://schemas.microsoft.com/office/drawing/2010/main">
+        </p:spPr>
+      </p:pic>
+      <p:sp>
+        <p:nvSpPr>
+          <p:cNvPr id="10" name="矩形 9">
+            <a:extLst>
+              <a:ext uri="{FF2B5EF4-FFF2-40B4-BE49-F238E27FC236}">
+                <a16:creationId xmlns:a16="http://schemas.microsoft.com/office/drawing/2014/main" id="{786F9D3C-22E2-48DD-9EE6-2A4DB83E8E0C}"/>
+              </a:ext>
+            </a:extLst>
+          </p:cNvPr>
+          <p:cNvSpPr/>
+          <p:nvPr/>
+        </p:nvSpPr>
+        <p:spPr>
+          <a:xfrm>
+            <a:off x="6712629" y="4722628"/>
+            <a:ext cx="2431371" cy="369332"/>
+          </a:xfrm>
+          <a:prstGeom prst="rect">
+            <a:avLst/>
+          </a:prstGeom>
+        </p:spPr>
+        <p:txBody>
+          <a:bodyPr wrap="none">
+            <a:spAutoFit/>
+          </a:bodyPr>
+          <a:lstStyle/>
+          <a:p>
+            <a:r>
+              <a:rPr lang="en-US" altLang="zh-CN" dirty="0">
                 <a:solidFill>
                   <a:srgbClr val="FFFFFF"/>
                 </a:solidFill>
-              </a14:hiddenFill>
-            </a:ext>
-            <a:ext uri="{91240B29-F687-4F45-9708-019B960494DF}">
-              <a14:hiddenLine xmlns:a14="http://schemas.microsoft.com/office/drawing/2010/main" w="9525">
-                <a:solidFill>
-                  <a:srgbClr val="000000"/>
-                </a:solidFill>
-                <a:miter lim="800000"/>
-                <a:headEnd/>
-                <a:tailEnd/>
-              </a14:hiddenLine>
-            </a:ext>
-            <a:ext uri="{AF507438-7753-43E0-B8FC-AC1667EBCBE1}">
-              <a14:hiddenEffects xmlns:a14="http://schemas.microsoft.com/office/drawing/2010/main">
-                <a:effectLst>
-                  <a:outerShdw dist="35921" dir="2700000" algn="ctr" rotWithShape="0">
-                    <a:srgbClr val="808080"/>
-                  </a:outerShdw>
-                </a:effectLst>
-              </a14:hiddenEffects>
-            </a:ext>
-          </a:extLst>
-        </p:spPr>
-      </p:pic>
+                <a:latin typeface="MicrosoftYaHei"/>
+              </a:rPr>
+              <a:t>GRAPHICS LABORATORY</a:t>
+            </a:r>
+            <a:endParaRPr lang="zh-CN" altLang="en-US" dirty="0"/>
+          </a:p>
+        </p:txBody>
+      </p:sp>
     </p:spTree>
+    <p:extLst>
+      <p:ext uri="{BB962C8B-B14F-4D97-AF65-F5344CB8AC3E}">
+        <p14:creationId xmlns:p14="http://schemas.microsoft.com/office/powerpoint/2010/main" val="1226259202"/>
+      </p:ext>
+    </p:extLst>
   </p:cSld>
   <p:clrMapOvr>
     <a:masterClrMapping/>
@@ -11708,76 +10564,6 @@
           <a:chExt cx="0" cy="0"/>
         </a:xfrm>
       </p:grpSpPr>
-      <p:pic>
-        <p:nvPicPr>
-          <p:cNvPr id="3074" name="Picture 2">
-            <a:extLst>
-              <a:ext uri="{FF2B5EF4-FFF2-40B4-BE49-F238E27FC236}">
-                <a16:creationId xmlns:a16="http://schemas.microsoft.com/office/drawing/2014/main" id="{CE3CEE5C-FBEB-4342-B1B3-D6580A905CD6}"/>
-              </a:ext>
-            </a:extLst>
-          </p:cNvPr>
-          <p:cNvPicPr>
-            <a:picLocks noChangeAspect="1" noChangeArrowheads="1"/>
-          </p:cNvPicPr>
-          <p:nvPr/>
-        </p:nvPicPr>
-        <p:blipFill>
-          <a:blip r:embed="rId2">
-            <a:extLst>
-              <a:ext uri="{28A0092B-C50C-407E-A947-70E740481C1C}">
-                <a14:useLocalDpi xmlns:a14="http://schemas.microsoft.com/office/drawing/2010/main" val="0"/>
-              </a:ext>
-            </a:extLst>
-          </a:blip>
-          <a:srcRect/>
-          <a:stretch>
-            <a:fillRect/>
-          </a:stretch>
-        </p:blipFill>
-        <p:spPr bwMode="auto">
-          <a:xfrm>
-            <a:off x="7956550" y="4606925"/>
-            <a:ext cx="1081088" cy="450850"/>
-          </a:xfrm>
-          <a:prstGeom prst="rect">
-            <a:avLst/>
-          </a:prstGeom>
-          <a:noFill/>
-          <a:ln>
-            <a:noFill/>
-          </a:ln>
-          <a:effectLst/>
-          <a:extLst>
-            <a:ext uri="{909E8E84-426E-40DD-AFC4-6F175D3DCCD1}">
-              <a14:hiddenFill xmlns:a14="http://schemas.microsoft.com/office/drawing/2010/main">
-                <a:solidFill>
-                  <a:srgbClr val="FFFFFF"/>
-                </a:solidFill>
-              </a14:hiddenFill>
-            </a:ext>
-            <a:ext uri="{91240B29-F687-4F45-9708-019B960494DF}">
-              <a14:hiddenLine xmlns:a14="http://schemas.microsoft.com/office/drawing/2010/main" w="9525">
-                <a:solidFill>
-                  <a:srgbClr val="000000"/>
-                </a:solidFill>
-                <a:miter lim="800000"/>
-                <a:headEnd/>
-                <a:tailEnd/>
-              </a14:hiddenLine>
-            </a:ext>
-            <a:ext uri="{AF507438-7753-43E0-B8FC-AC1667EBCBE1}">
-              <a14:hiddenEffects xmlns:a14="http://schemas.microsoft.com/office/drawing/2010/main">
-                <a:effectLst>
-                  <a:outerShdw dist="35921" dir="2700000" algn="ctr" rotWithShape="0">
-                    <a:srgbClr val="808080"/>
-                  </a:outerShdw>
-                </a:effectLst>
-              </a14:hiddenEffects>
-            </a:ext>
-          </a:extLst>
-        </p:spPr>
-      </p:pic>
       <p:sp>
         <p:nvSpPr>
           <p:cNvPr id="3075" name="Title 1">
@@ -12706,76 +11492,6 @@
           <a:chExt cx="0" cy="0"/>
         </a:xfrm>
       </p:grpSpPr>
-      <p:pic>
-        <p:nvPicPr>
-          <p:cNvPr id="3074" name="Picture 2">
-            <a:extLst>
-              <a:ext uri="{FF2B5EF4-FFF2-40B4-BE49-F238E27FC236}">
-                <a16:creationId xmlns:a16="http://schemas.microsoft.com/office/drawing/2014/main" id="{CE3CEE5C-FBEB-4342-B1B3-D6580A905CD6}"/>
-              </a:ext>
-            </a:extLst>
-          </p:cNvPr>
-          <p:cNvPicPr>
-            <a:picLocks noChangeAspect="1" noChangeArrowheads="1"/>
-          </p:cNvPicPr>
-          <p:nvPr/>
-        </p:nvPicPr>
-        <p:blipFill>
-          <a:blip r:embed="rId2">
-            <a:extLst>
-              <a:ext uri="{28A0092B-C50C-407E-A947-70E740481C1C}">
-                <a14:useLocalDpi xmlns:a14="http://schemas.microsoft.com/office/drawing/2010/main" val="0"/>
-              </a:ext>
-            </a:extLst>
-          </a:blip>
-          <a:srcRect/>
-          <a:stretch>
-            <a:fillRect/>
-          </a:stretch>
-        </p:blipFill>
-        <p:spPr bwMode="auto">
-          <a:xfrm>
-            <a:off x="7956550" y="4606925"/>
-            <a:ext cx="1081088" cy="450850"/>
-          </a:xfrm>
-          <a:prstGeom prst="rect">
-            <a:avLst/>
-          </a:prstGeom>
-          <a:noFill/>
-          <a:ln>
-            <a:noFill/>
-          </a:ln>
-          <a:effectLst/>
-          <a:extLst>
-            <a:ext uri="{909E8E84-426E-40DD-AFC4-6F175D3DCCD1}">
-              <a14:hiddenFill xmlns:a14="http://schemas.microsoft.com/office/drawing/2010/main">
-                <a:solidFill>
-                  <a:srgbClr val="FFFFFF"/>
-                </a:solidFill>
-              </a14:hiddenFill>
-            </a:ext>
-            <a:ext uri="{91240B29-F687-4F45-9708-019B960494DF}">
-              <a14:hiddenLine xmlns:a14="http://schemas.microsoft.com/office/drawing/2010/main" w="9525">
-                <a:solidFill>
-                  <a:srgbClr val="000000"/>
-                </a:solidFill>
-                <a:miter lim="800000"/>
-                <a:headEnd/>
-                <a:tailEnd/>
-              </a14:hiddenLine>
-            </a:ext>
-            <a:ext uri="{AF507438-7753-43E0-B8FC-AC1667EBCBE1}">
-              <a14:hiddenEffects xmlns:a14="http://schemas.microsoft.com/office/drawing/2010/main">
-                <a:effectLst>
-                  <a:outerShdw dist="35921" dir="2700000" algn="ctr" rotWithShape="0">
-                    <a:srgbClr val="808080"/>
-                  </a:outerShdw>
-                </a:effectLst>
-              </a14:hiddenEffects>
-            </a:ext>
-          </a:extLst>
-        </p:spPr>
-      </p:pic>
       <p:sp>
         <p:nvSpPr>
           <p:cNvPr id="3075" name="Title 1">
@@ -13933,76 +12649,6 @@
           <a:chExt cx="0" cy="0"/>
         </a:xfrm>
       </p:grpSpPr>
-      <p:pic>
-        <p:nvPicPr>
-          <p:cNvPr id="3074" name="Picture 2">
-            <a:extLst>
-              <a:ext uri="{FF2B5EF4-FFF2-40B4-BE49-F238E27FC236}">
-                <a16:creationId xmlns:a16="http://schemas.microsoft.com/office/drawing/2014/main" id="{CE3CEE5C-FBEB-4342-B1B3-D6580A905CD6}"/>
-              </a:ext>
-            </a:extLst>
-          </p:cNvPr>
-          <p:cNvPicPr>
-            <a:picLocks noChangeAspect="1" noChangeArrowheads="1"/>
-          </p:cNvPicPr>
-          <p:nvPr/>
-        </p:nvPicPr>
-        <p:blipFill>
-          <a:blip r:embed="rId3">
-            <a:extLst>
-              <a:ext uri="{28A0092B-C50C-407E-A947-70E740481C1C}">
-                <a14:useLocalDpi xmlns:a14="http://schemas.microsoft.com/office/drawing/2010/main" val="0"/>
-              </a:ext>
-            </a:extLst>
-          </a:blip>
-          <a:srcRect/>
-          <a:stretch>
-            <a:fillRect/>
-          </a:stretch>
-        </p:blipFill>
-        <p:spPr bwMode="auto">
-          <a:xfrm>
-            <a:off x="7956550" y="4606925"/>
-            <a:ext cx="1081088" cy="450850"/>
-          </a:xfrm>
-          <a:prstGeom prst="rect">
-            <a:avLst/>
-          </a:prstGeom>
-          <a:noFill/>
-          <a:ln>
-            <a:noFill/>
-          </a:ln>
-          <a:effectLst/>
-          <a:extLst>
-            <a:ext uri="{909E8E84-426E-40DD-AFC4-6F175D3DCCD1}">
-              <a14:hiddenFill xmlns:a14="http://schemas.microsoft.com/office/drawing/2010/main">
-                <a:solidFill>
-                  <a:srgbClr val="FFFFFF"/>
-                </a:solidFill>
-              </a14:hiddenFill>
-            </a:ext>
-            <a:ext uri="{91240B29-F687-4F45-9708-019B960494DF}">
-              <a14:hiddenLine xmlns:a14="http://schemas.microsoft.com/office/drawing/2010/main" w="9525">
-                <a:solidFill>
-                  <a:srgbClr val="000000"/>
-                </a:solidFill>
-                <a:miter lim="800000"/>
-                <a:headEnd/>
-                <a:tailEnd/>
-              </a14:hiddenLine>
-            </a:ext>
-            <a:ext uri="{AF507438-7753-43E0-B8FC-AC1667EBCBE1}">
-              <a14:hiddenEffects xmlns:a14="http://schemas.microsoft.com/office/drawing/2010/main">
-                <a:effectLst>
-                  <a:outerShdw dist="35921" dir="2700000" algn="ctr" rotWithShape="0">
-                    <a:srgbClr val="808080"/>
-                  </a:outerShdw>
-                </a:effectLst>
-              </a14:hiddenEffects>
-            </a:ext>
-          </a:extLst>
-        </p:spPr>
-      </p:pic>
       <p:sp>
         <p:nvSpPr>
           <p:cNvPr id="3075" name="Title 1">
@@ -15656,76 +14302,6 @@
           <a:chExt cx="0" cy="0"/>
         </a:xfrm>
       </p:grpSpPr>
-      <p:pic>
-        <p:nvPicPr>
-          <p:cNvPr id="3074" name="Picture 2">
-            <a:extLst>
-              <a:ext uri="{FF2B5EF4-FFF2-40B4-BE49-F238E27FC236}">
-                <a16:creationId xmlns:a16="http://schemas.microsoft.com/office/drawing/2014/main" id="{CE3CEE5C-FBEB-4342-B1B3-D6580A905CD6}"/>
-              </a:ext>
-            </a:extLst>
-          </p:cNvPr>
-          <p:cNvPicPr>
-            <a:picLocks noChangeAspect="1" noChangeArrowheads="1"/>
-          </p:cNvPicPr>
-          <p:nvPr/>
-        </p:nvPicPr>
-        <p:blipFill>
-          <a:blip r:embed="rId2">
-            <a:extLst>
-              <a:ext uri="{28A0092B-C50C-407E-A947-70E740481C1C}">
-                <a14:useLocalDpi xmlns:a14="http://schemas.microsoft.com/office/drawing/2010/main" val="0"/>
-              </a:ext>
-            </a:extLst>
-          </a:blip>
-          <a:srcRect/>
-          <a:stretch>
-            <a:fillRect/>
-          </a:stretch>
-        </p:blipFill>
-        <p:spPr bwMode="auto">
-          <a:xfrm>
-            <a:off x="7956550" y="4606925"/>
-            <a:ext cx="1081088" cy="450850"/>
-          </a:xfrm>
-          <a:prstGeom prst="rect">
-            <a:avLst/>
-          </a:prstGeom>
-          <a:noFill/>
-          <a:ln>
-            <a:noFill/>
-          </a:ln>
-          <a:effectLst/>
-          <a:extLst>
-            <a:ext uri="{909E8E84-426E-40DD-AFC4-6F175D3DCCD1}">
-              <a14:hiddenFill xmlns:a14="http://schemas.microsoft.com/office/drawing/2010/main">
-                <a:solidFill>
-                  <a:srgbClr val="FFFFFF"/>
-                </a:solidFill>
-              </a14:hiddenFill>
-            </a:ext>
-            <a:ext uri="{91240B29-F687-4F45-9708-019B960494DF}">
-              <a14:hiddenLine xmlns:a14="http://schemas.microsoft.com/office/drawing/2010/main" w="9525">
-                <a:solidFill>
-                  <a:srgbClr val="000000"/>
-                </a:solidFill>
-                <a:miter lim="800000"/>
-                <a:headEnd/>
-                <a:tailEnd/>
-              </a14:hiddenLine>
-            </a:ext>
-            <a:ext uri="{AF507438-7753-43E0-B8FC-AC1667EBCBE1}">
-              <a14:hiddenEffects xmlns:a14="http://schemas.microsoft.com/office/drawing/2010/main">
-                <a:effectLst>
-                  <a:outerShdw dist="35921" dir="2700000" algn="ctr" rotWithShape="0">
-                    <a:srgbClr val="808080"/>
-                  </a:outerShdw>
-                </a:effectLst>
-              </a14:hiddenEffects>
-            </a:ext>
-          </a:extLst>
-        </p:spPr>
-      </p:pic>
       <p:sp>
         <p:nvSpPr>
           <p:cNvPr id="3075" name="Title 1">
@@ -16467,76 +15043,6 @@
           <a:chExt cx="0" cy="0"/>
         </a:xfrm>
       </p:grpSpPr>
-      <p:pic>
-        <p:nvPicPr>
-          <p:cNvPr id="3074" name="Picture 2">
-            <a:extLst>
-              <a:ext uri="{FF2B5EF4-FFF2-40B4-BE49-F238E27FC236}">
-                <a16:creationId xmlns:a16="http://schemas.microsoft.com/office/drawing/2014/main" id="{CE3CEE5C-FBEB-4342-B1B3-D6580A905CD6}"/>
-              </a:ext>
-            </a:extLst>
-          </p:cNvPr>
-          <p:cNvPicPr>
-            <a:picLocks noChangeAspect="1" noChangeArrowheads="1"/>
-          </p:cNvPicPr>
-          <p:nvPr/>
-        </p:nvPicPr>
-        <p:blipFill>
-          <a:blip r:embed="rId2">
-            <a:extLst>
-              <a:ext uri="{28A0092B-C50C-407E-A947-70E740481C1C}">
-                <a14:useLocalDpi xmlns:a14="http://schemas.microsoft.com/office/drawing/2010/main" val="0"/>
-              </a:ext>
-            </a:extLst>
-          </a:blip>
-          <a:srcRect/>
-          <a:stretch>
-            <a:fillRect/>
-          </a:stretch>
-        </p:blipFill>
-        <p:spPr bwMode="auto">
-          <a:xfrm>
-            <a:off x="7956550" y="4606925"/>
-            <a:ext cx="1081088" cy="450850"/>
-          </a:xfrm>
-          <a:prstGeom prst="rect">
-            <a:avLst/>
-          </a:prstGeom>
-          <a:noFill/>
-          <a:ln>
-            <a:noFill/>
-          </a:ln>
-          <a:effectLst/>
-          <a:extLst>
-            <a:ext uri="{909E8E84-426E-40DD-AFC4-6F175D3DCCD1}">
-              <a14:hiddenFill xmlns:a14="http://schemas.microsoft.com/office/drawing/2010/main">
-                <a:solidFill>
-                  <a:srgbClr val="FFFFFF"/>
-                </a:solidFill>
-              </a14:hiddenFill>
-            </a:ext>
-            <a:ext uri="{91240B29-F687-4F45-9708-019B960494DF}">
-              <a14:hiddenLine xmlns:a14="http://schemas.microsoft.com/office/drawing/2010/main" w="9525">
-                <a:solidFill>
-                  <a:srgbClr val="000000"/>
-                </a:solidFill>
-                <a:miter lim="800000"/>
-                <a:headEnd/>
-                <a:tailEnd/>
-              </a14:hiddenLine>
-            </a:ext>
-            <a:ext uri="{AF507438-7753-43E0-B8FC-AC1667EBCBE1}">
-              <a14:hiddenEffects xmlns:a14="http://schemas.microsoft.com/office/drawing/2010/main">
-                <a:effectLst>
-                  <a:outerShdw dist="35921" dir="2700000" algn="ctr" rotWithShape="0">
-                    <a:srgbClr val="808080"/>
-                  </a:outerShdw>
-                </a:effectLst>
-              </a14:hiddenEffects>
-            </a:ext>
-          </a:extLst>
-        </p:spPr>
-      </p:pic>
       <p:sp>
         <p:nvSpPr>
           <p:cNvPr id="3075" name="Title 1">
@@ -17173,76 +15679,6 @@
           <a:chExt cx="0" cy="0"/>
         </a:xfrm>
       </p:grpSpPr>
-      <p:pic>
-        <p:nvPicPr>
-          <p:cNvPr id="3074" name="Picture 2">
-            <a:extLst>
-              <a:ext uri="{FF2B5EF4-FFF2-40B4-BE49-F238E27FC236}">
-                <a16:creationId xmlns:a16="http://schemas.microsoft.com/office/drawing/2014/main" id="{CE3CEE5C-FBEB-4342-B1B3-D6580A905CD6}"/>
-              </a:ext>
-            </a:extLst>
-          </p:cNvPr>
-          <p:cNvPicPr>
-            <a:picLocks noChangeAspect="1" noChangeArrowheads="1"/>
-          </p:cNvPicPr>
-          <p:nvPr/>
-        </p:nvPicPr>
-        <p:blipFill>
-          <a:blip r:embed="rId2">
-            <a:extLst>
-              <a:ext uri="{28A0092B-C50C-407E-A947-70E740481C1C}">
-                <a14:useLocalDpi xmlns:a14="http://schemas.microsoft.com/office/drawing/2010/main" val="0"/>
-              </a:ext>
-            </a:extLst>
-          </a:blip>
-          <a:srcRect/>
-          <a:stretch>
-            <a:fillRect/>
-          </a:stretch>
-        </p:blipFill>
-        <p:spPr bwMode="auto">
-          <a:xfrm>
-            <a:off x="7956550" y="4606925"/>
-            <a:ext cx="1081088" cy="450850"/>
-          </a:xfrm>
-          <a:prstGeom prst="rect">
-            <a:avLst/>
-          </a:prstGeom>
-          <a:noFill/>
-          <a:ln>
-            <a:noFill/>
-          </a:ln>
-          <a:effectLst/>
-          <a:extLst>
-            <a:ext uri="{909E8E84-426E-40DD-AFC4-6F175D3DCCD1}">
-              <a14:hiddenFill xmlns:a14="http://schemas.microsoft.com/office/drawing/2010/main">
-                <a:solidFill>
-                  <a:srgbClr val="FFFFFF"/>
-                </a:solidFill>
-              </a14:hiddenFill>
-            </a:ext>
-            <a:ext uri="{91240B29-F687-4F45-9708-019B960494DF}">
-              <a14:hiddenLine xmlns:a14="http://schemas.microsoft.com/office/drawing/2010/main" w="9525">
-                <a:solidFill>
-                  <a:srgbClr val="000000"/>
-                </a:solidFill>
-                <a:miter lim="800000"/>
-                <a:headEnd/>
-                <a:tailEnd/>
-              </a14:hiddenLine>
-            </a:ext>
-            <a:ext uri="{AF507438-7753-43E0-B8FC-AC1667EBCBE1}">
-              <a14:hiddenEffects xmlns:a14="http://schemas.microsoft.com/office/drawing/2010/main">
-                <a:effectLst>
-                  <a:outerShdw dist="35921" dir="2700000" algn="ctr" rotWithShape="0">
-                    <a:srgbClr val="808080"/>
-                  </a:outerShdw>
-                </a:effectLst>
-              </a14:hiddenEffects>
-            </a:ext>
-          </a:extLst>
-        </p:spPr>
-      </p:pic>
       <p:sp>
         <p:nvSpPr>
           <p:cNvPr id="3075" name="Title 1">
@@ -18381,76 +16817,6 @@
           <a:chExt cx="0" cy="0"/>
         </a:xfrm>
       </p:grpSpPr>
-      <p:pic>
-        <p:nvPicPr>
-          <p:cNvPr id="3074" name="Picture 2">
-            <a:extLst>
-              <a:ext uri="{FF2B5EF4-FFF2-40B4-BE49-F238E27FC236}">
-                <a16:creationId xmlns:a16="http://schemas.microsoft.com/office/drawing/2014/main" id="{CE3CEE5C-FBEB-4342-B1B3-D6580A905CD6}"/>
-              </a:ext>
-            </a:extLst>
-          </p:cNvPr>
-          <p:cNvPicPr>
-            <a:picLocks noChangeAspect="1" noChangeArrowheads="1"/>
-          </p:cNvPicPr>
-          <p:nvPr/>
-        </p:nvPicPr>
-        <p:blipFill>
-          <a:blip r:embed="rId2">
-            <a:extLst>
-              <a:ext uri="{28A0092B-C50C-407E-A947-70E740481C1C}">
-                <a14:useLocalDpi xmlns:a14="http://schemas.microsoft.com/office/drawing/2010/main" val="0"/>
-              </a:ext>
-            </a:extLst>
-          </a:blip>
-          <a:srcRect/>
-          <a:stretch>
-            <a:fillRect/>
-          </a:stretch>
-        </p:blipFill>
-        <p:spPr bwMode="auto">
-          <a:xfrm>
-            <a:off x="7956550" y="4606925"/>
-            <a:ext cx="1081088" cy="450850"/>
-          </a:xfrm>
-          <a:prstGeom prst="rect">
-            <a:avLst/>
-          </a:prstGeom>
-          <a:noFill/>
-          <a:ln>
-            <a:noFill/>
-          </a:ln>
-          <a:effectLst/>
-          <a:extLst>
-            <a:ext uri="{909E8E84-426E-40DD-AFC4-6F175D3DCCD1}">
-              <a14:hiddenFill xmlns:a14="http://schemas.microsoft.com/office/drawing/2010/main">
-                <a:solidFill>
-                  <a:srgbClr val="FFFFFF"/>
-                </a:solidFill>
-              </a14:hiddenFill>
-            </a:ext>
-            <a:ext uri="{91240B29-F687-4F45-9708-019B960494DF}">
-              <a14:hiddenLine xmlns:a14="http://schemas.microsoft.com/office/drawing/2010/main" w="9525">
-                <a:solidFill>
-                  <a:srgbClr val="000000"/>
-                </a:solidFill>
-                <a:miter lim="800000"/>
-                <a:headEnd/>
-                <a:tailEnd/>
-              </a14:hiddenLine>
-            </a:ext>
-            <a:ext uri="{AF507438-7753-43E0-B8FC-AC1667EBCBE1}">
-              <a14:hiddenEffects xmlns:a14="http://schemas.microsoft.com/office/drawing/2010/main">
-                <a:effectLst>
-                  <a:outerShdw dist="35921" dir="2700000" algn="ctr" rotWithShape="0">
-                    <a:srgbClr val="808080"/>
-                  </a:outerShdw>
-                </a:effectLst>
-              </a14:hiddenEffects>
-            </a:ext>
-          </a:extLst>
-        </p:spPr>
-      </p:pic>
       <p:sp>
         <p:nvSpPr>
           <p:cNvPr id="3075" name="Title 1">
@@ -18522,8 +16888,8 @@
           </a:p>
         </p:txBody>
       </p:sp>
-      <mc:AlternateContent xmlns:mc="http://schemas.openxmlformats.org/markup-compatibility/2006">
-        <mc:Choice xmlns:a14="http://schemas.microsoft.com/office/drawing/2010/main" Requires="a14">
+      <mc:AlternateContent xmlns:mc="http://schemas.openxmlformats.org/markup-compatibility/2006" xmlns:a14="http://schemas.microsoft.com/office/drawing/2010/main">
+        <mc:Choice Requires="a14">
           <p:sp>
             <p:nvSpPr>
               <p:cNvPr id="4" name="Content Placeholder 3">
@@ -18879,7 +17245,7 @@
             </p:txBody>
           </p:sp>
         </mc:Choice>
-        <mc:Fallback>
+        <mc:Fallback xmlns="">
           <p:sp>
             <p:nvSpPr>
               <p:cNvPr id="4" name="Content Placeholder 3">
@@ -18954,76 +17320,6 @@
           <a:chExt cx="0" cy="0"/>
         </a:xfrm>
       </p:grpSpPr>
-      <p:pic>
-        <p:nvPicPr>
-          <p:cNvPr id="3074" name="Picture 2">
-            <a:extLst>
-              <a:ext uri="{FF2B5EF4-FFF2-40B4-BE49-F238E27FC236}">
-                <a16:creationId xmlns:a16="http://schemas.microsoft.com/office/drawing/2014/main" id="{CE3CEE5C-FBEB-4342-B1B3-D6580A905CD6}"/>
-              </a:ext>
-            </a:extLst>
-          </p:cNvPr>
-          <p:cNvPicPr>
-            <a:picLocks noChangeAspect="1" noChangeArrowheads="1"/>
-          </p:cNvPicPr>
-          <p:nvPr/>
-        </p:nvPicPr>
-        <p:blipFill>
-          <a:blip r:embed="rId2">
-            <a:extLst>
-              <a:ext uri="{28A0092B-C50C-407E-A947-70E740481C1C}">
-                <a14:useLocalDpi xmlns:a14="http://schemas.microsoft.com/office/drawing/2010/main" val="0"/>
-              </a:ext>
-            </a:extLst>
-          </a:blip>
-          <a:srcRect/>
-          <a:stretch>
-            <a:fillRect/>
-          </a:stretch>
-        </p:blipFill>
-        <p:spPr bwMode="auto">
-          <a:xfrm>
-            <a:off x="7956550" y="4606925"/>
-            <a:ext cx="1081088" cy="450850"/>
-          </a:xfrm>
-          <a:prstGeom prst="rect">
-            <a:avLst/>
-          </a:prstGeom>
-          <a:noFill/>
-          <a:ln>
-            <a:noFill/>
-          </a:ln>
-          <a:effectLst/>
-          <a:extLst>
-            <a:ext uri="{909E8E84-426E-40DD-AFC4-6F175D3DCCD1}">
-              <a14:hiddenFill xmlns:a14="http://schemas.microsoft.com/office/drawing/2010/main">
-                <a:solidFill>
-                  <a:srgbClr val="FFFFFF"/>
-                </a:solidFill>
-              </a14:hiddenFill>
-            </a:ext>
-            <a:ext uri="{91240B29-F687-4F45-9708-019B960494DF}">
-              <a14:hiddenLine xmlns:a14="http://schemas.microsoft.com/office/drawing/2010/main" w="9525">
-                <a:solidFill>
-                  <a:srgbClr val="000000"/>
-                </a:solidFill>
-                <a:miter lim="800000"/>
-                <a:headEnd/>
-                <a:tailEnd/>
-              </a14:hiddenLine>
-            </a:ext>
-            <a:ext uri="{AF507438-7753-43E0-B8FC-AC1667EBCBE1}">
-              <a14:hiddenEffects xmlns:a14="http://schemas.microsoft.com/office/drawing/2010/main">
-                <a:effectLst>
-                  <a:outerShdw dist="35921" dir="2700000" algn="ctr" rotWithShape="0">
-                    <a:srgbClr val="808080"/>
-                  </a:outerShdw>
-                </a:effectLst>
-              </a14:hiddenEffects>
-            </a:ext>
-          </a:extLst>
-        </p:spPr>
-      </p:pic>
       <p:sp>
         <p:nvSpPr>
           <p:cNvPr id="3075" name="Title 1">
@@ -19095,8 +17391,8 @@
           </a:p>
         </p:txBody>
       </p:sp>
-      <mc:AlternateContent xmlns:mc="http://schemas.openxmlformats.org/markup-compatibility/2006">
-        <mc:Choice xmlns:a14="http://schemas.microsoft.com/office/drawing/2010/main" Requires="a14">
+      <mc:AlternateContent xmlns:mc="http://schemas.openxmlformats.org/markup-compatibility/2006" xmlns:a14="http://schemas.microsoft.com/office/drawing/2010/main">
+        <mc:Choice Requires="a14">
           <p:sp>
             <p:nvSpPr>
               <p:cNvPr id="4" name="Content Placeholder 3">
@@ -20807,7 +19103,7 @@
             </p:txBody>
           </p:sp>
         </mc:Choice>
-        <mc:Fallback>
+        <mc:Fallback xmlns="">
           <p:sp>
             <p:nvSpPr>
               <p:cNvPr id="4" name="Content Placeholder 3">
